--- a/docs/Smart Material Changer 'Amber/SMC.pptx
+++ b/docs/Smart Material Changer 'Amber/SMC.pptx
@@ -11,6 +11,8 @@
     <p:sldId id="263" r:id="rId5"/>
     <p:sldId id="260" r:id="rId6"/>
     <p:sldId id="264" r:id="rId7"/>
+    <p:sldId id="265" r:id="rId8"/>
+    <p:sldId id="266" r:id="rId9"/>
   </p:sldIdLst>
   <p:sldSz cx="12192000" cy="6858000"/>
   <p:notesSz cx="6858000" cy="9144000"/>
@@ -109,6 +111,11 @@
       </a:defRPr>
     </a:lvl9pPr>
   </p:defaultTextStyle>
+  <p:extLst>
+    <p:ext uri="{EFAFB233-063F-42B5-8137-9DF3F51BA10A}">
+      <p15:sldGuideLst xmlns:p15="http://schemas.microsoft.com/office/powerpoint/2012/main"/>
+    </p:ext>
+  </p:extLst>
 </p:presentation>
 </file>
 
@@ -259,7 +266,7 @@
           <a:p>
             <a:fld id="{BEE7DCAD-B598-42F3-A425-85AB2957A546}" type="datetimeFigureOut">
               <a:rPr lang="zh-CN" altLang="en-US" smtClean="0"/>
-              <a:t>2023/7/13</a:t>
+              <a:t>2024/7/9</a:t>
             </a:fld>
             <a:endParaRPr lang="zh-CN" altLang="en-US"/>
           </a:p>
@@ -457,7 +464,7 @@
           <a:p>
             <a:fld id="{BEE7DCAD-B598-42F3-A425-85AB2957A546}" type="datetimeFigureOut">
               <a:rPr lang="zh-CN" altLang="en-US" smtClean="0"/>
-              <a:t>2023/7/13</a:t>
+              <a:t>2024/7/9</a:t>
             </a:fld>
             <a:endParaRPr lang="zh-CN" altLang="en-US"/>
           </a:p>
@@ -665,7 +672,7 @@
           <a:p>
             <a:fld id="{BEE7DCAD-B598-42F3-A425-85AB2957A546}" type="datetimeFigureOut">
               <a:rPr lang="zh-CN" altLang="en-US" smtClean="0"/>
-              <a:t>2023/7/13</a:t>
+              <a:t>2024/7/9</a:t>
             </a:fld>
             <a:endParaRPr lang="zh-CN" altLang="en-US"/>
           </a:p>
@@ -863,7 +870,7 @@
           <a:p>
             <a:fld id="{BEE7DCAD-B598-42F3-A425-85AB2957A546}" type="datetimeFigureOut">
               <a:rPr lang="zh-CN" altLang="en-US" smtClean="0"/>
-              <a:t>2023/7/13</a:t>
+              <a:t>2024/7/9</a:t>
             </a:fld>
             <a:endParaRPr lang="zh-CN" altLang="en-US"/>
           </a:p>
@@ -1138,7 +1145,7 @@
           <a:p>
             <a:fld id="{BEE7DCAD-B598-42F3-A425-85AB2957A546}" type="datetimeFigureOut">
               <a:rPr lang="zh-CN" altLang="en-US" smtClean="0"/>
-              <a:t>2023/7/13</a:t>
+              <a:t>2024/7/9</a:t>
             </a:fld>
             <a:endParaRPr lang="zh-CN" altLang="en-US"/>
           </a:p>
@@ -1403,7 +1410,7 @@
           <a:p>
             <a:fld id="{BEE7DCAD-B598-42F3-A425-85AB2957A546}" type="datetimeFigureOut">
               <a:rPr lang="zh-CN" altLang="en-US" smtClean="0"/>
-              <a:t>2023/7/13</a:t>
+              <a:t>2024/7/9</a:t>
             </a:fld>
             <a:endParaRPr lang="zh-CN" altLang="en-US"/>
           </a:p>
@@ -1815,7 +1822,7 @@
           <a:p>
             <a:fld id="{BEE7DCAD-B598-42F3-A425-85AB2957A546}" type="datetimeFigureOut">
               <a:rPr lang="zh-CN" altLang="en-US" smtClean="0"/>
-              <a:t>2023/7/13</a:t>
+              <a:t>2024/7/9</a:t>
             </a:fld>
             <a:endParaRPr lang="zh-CN" altLang="en-US"/>
           </a:p>
@@ -1956,7 +1963,7 @@
           <a:p>
             <a:fld id="{BEE7DCAD-B598-42F3-A425-85AB2957A546}" type="datetimeFigureOut">
               <a:rPr lang="zh-CN" altLang="en-US" smtClean="0"/>
-              <a:t>2023/7/13</a:t>
+              <a:t>2024/7/9</a:t>
             </a:fld>
             <a:endParaRPr lang="zh-CN" altLang="en-US"/>
           </a:p>
@@ -2069,7 +2076,7 @@
           <a:p>
             <a:fld id="{BEE7DCAD-B598-42F3-A425-85AB2957A546}" type="datetimeFigureOut">
               <a:rPr lang="zh-CN" altLang="en-US" smtClean="0"/>
-              <a:t>2023/7/13</a:t>
+              <a:t>2024/7/9</a:t>
             </a:fld>
             <a:endParaRPr lang="zh-CN" altLang="en-US"/>
           </a:p>
@@ -2380,7 +2387,7 @@
           <a:p>
             <a:fld id="{BEE7DCAD-B598-42F3-A425-85AB2957A546}" type="datetimeFigureOut">
               <a:rPr lang="zh-CN" altLang="en-US" smtClean="0"/>
-              <a:t>2023/7/13</a:t>
+              <a:t>2024/7/9</a:t>
             </a:fld>
             <a:endParaRPr lang="zh-CN" altLang="en-US"/>
           </a:p>
@@ -2668,7 +2675,7 @@
           <a:p>
             <a:fld id="{BEE7DCAD-B598-42F3-A425-85AB2957A546}" type="datetimeFigureOut">
               <a:rPr lang="zh-CN" altLang="en-US" smtClean="0"/>
-              <a:t>2023/7/13</a:t>
+              <a:t>2024/7/9</a:t>
             </a:fld>
             <a:endParaRPr lang="zh-CN" altLang="en-US"/>
           </a:p>
@@ -2914,7 +2921,7 @@
           <a:p>
             <a:fld id="{BEE7DCAD-B598-42F3-A425-85AB2957A546}" type="datetimeFigureOut">
               <a:rPr lang="zh-CN" altLang="en-US" smtClean="0"/>
-              <a:t>2023/7/13</a:t>
+              <a:t>2024/7/9</a:t>
             </a:fld>
             <a:endParaRPr lang="zh-CN" altLang="en-US"/>
           </a:p>
@@ -8528,6 +8535,3235 @@
 </p:sld>
 </file>
 
+<file path=ppt/slides/slide7.xml><?xml version="1.0" encoding="utf-8"?>
+<p:sld xmlns:a="http://schemas.openxmlformats.org/drawingml/2006/main" xmlns:r="http://schemas.openxmlformats.org/officeDocument/2006/relationships" xmlns:p="http://schemas.openxmlformats.org/presentationml/2006/main">
+  <p:cSld>
+    <p:spTree>
+      <p:nvGrpSpPr>
+        <p:cNvPr id="1" name=""/>
+        <p:cNvGrpSpPr/>
+        <p:nvPr/>
+      </p:nvGrpSpPr>
+      <p:grpSpPr>
+        <a:xfrm>
+          <a:off x="0" y="0"/>
+          <a:ext cx="0" cy="0"/>
+          <a:chOff x="0" y="0"/>
+          <a:chExt cx="0" cy="0"/>
+        </a:xfrm>
+      </p:grpSpPr>
+      <p:sp>
+        <p:nvSpPr>
+          <p:cNvPr id="30" name="矩形 29">
+            <a:extLst>
+              <a:ext uri="{FF2B5EF4-FFF2-40B4-BE49-F238E27FC236}">
+                <a16:creationId xmlns:a16="http://schemas.microsoft.com/office/drawing/2014/main" id="{24469EE8-951A-4EA8-33D8-0826935BA11A}"/>
+              </a:ext>
+            </a:extLst>
+          </p:cNvPr>
+          <p:cNvSpPr/>
+          <p:nvPr/>
+        </p:nvSpPr>
+        <p:spPr>
+          <a:xfrm>
+            <a:off x="425889" y="2562968"/>
+            <a:ext cx="5794049" cy="1794564"/>
+          </a:xfrm>
+          <a:prstGeom prst="rect">
+            <a:avLst/>
+          </a:prstGeom>
+          <a:solidFill>
+            <a:schemeClr val="bg1">
+              <a:alpha val="80000"/>
+            </a:schemeClr>
+          </a:solidFill>
+          <a:ln w="28575">
+            <a:solidFill>
+              <a:schemeClr val="bg1">
+                <a:lumMod val="50000"/>
+              </a:schemeClr>
+            </a:solidFill>
+          </a:ln>
+        </p:spPr>
+        <p:style>
+          <a:lnRef idx="2">
+            <a:schemeClr val="accent1">
+              <a:shade val="15000"/>
+            </a:schemeClr>
+          </a:lnRef>
+          <a:fillRef idx="1">
+            <a:schemeClr val="accent1"/>
+          </a:fillRef>
+          <a:effectRef idx="0">
+            <a:schemeClr val="accent1"/>
+          </a:effectRef>
+          <a:fontRef idx="minor">
+            <a:schemeClr val="lt1"/>
+          </a:fontRef>
+        </p:style>
+        <p:txBody>
+          <a:bodyPr rtlCol="0" anchor="t"/>
+          <a:lstStyle/>
+          <a:p>
+            <a:pPr algn="ctr"/>
+            <a:r>
+              <a:rPr lang="en-US" altLang="zh-CN" sz="1200" dirty="0">
+                <a:solidFill>
+                  <a:schemeClr val="bg1">
+                    <a:lumMod val="50000"/>
+                  </a:schemeClr>
+                </a:solidFill>
+                <a:latin typeface="Hero" panose="00000500000000000000" pitchFamily="2" charset="0"/>
+              </a:rPr>
+              <a:t>Object / </a:t>
+            </a:r>
+            <a:r>
+              <a:rPr lang="en-US" altLang="zh-CN" sz="1200" dirty="0" err="1">
+                <a:solidFill>
+                  <a:schemeClr val="bg1">
+                    <a:lumMod val="50000"/>
+                  </a:schemeClr>
+                </a:solidFill>
+                <a:latin typeface="Hero" panose="00000500000000000000" pitchFamily="2" charset="0"/>
+              </a:rPr>
+              <a:t>Linkset</a:t>
+            </a:r>
+            <a:endParaRPr lang="en-US" altLang="zh-CN" sz="1200" dirty="0">
+              <a:solidFill>
+                <a:schemeClr val="bg1">
+                  <a:lumMod val="50000"/>
+                </a:schemeClr>
+              </a:solidFill>
+              <a:latin typeface="Hero" panose="00000500000000000000" pitchFamily="2" charset="0"/>
+            </a:endParaRPr>
+          </a:p>
+        </p:txBody>
+      </p:sp>
+      <p:sp>
+        <p:nvSpPr>
+          <p:cNvPr id="29" name="矩形 28">
+            <a:extLst>
+              <a:ext uri="{FF2B5EF4-FFF2-40B4-BE49-F238E27FC236}">
+                <a16:creationId xmlns:a16="http://schemas.microsoft.com/office/drawing/2014/main" id="{BE7A9498-F8B3-126F-0908-38BC7437D3E9}"/>
+              </a:ext>
+            </a:extLst>
+          </p:cNvPr>
+          <p:cNvSpPr/>
+          <p:nvPr/>
+        </p:nvSpPr>
+        <p:spPr>
+          <a:xfrm>
+            <a:off x="3825711" y="408826"/>
+            <a:ext cx="3061268" cy="1794563"/>
+          </a:xfrm>
+          <a:prstGeom prst="rect">
+            <a:avLst/>
+          </a:prstGeom>
+          <a:solidFill>
+            <a:schemeClr val="bg1">
+              <a:alpha val="80000"/>
+            </a:schemeClr>
+          </a:solidFill>
+          <a:ln w="28575">
+            <a:solidFill>
+              <a:schemeClr val="bg1">
+                <a:lumMod val="50000"/>
+              </a:schemeClr>
+            </a:solidFill>
+          </a:ln>
+        </p:spPr>
+        <p:style>
+          <a:lnRef idx="2">
+            <a:schemeClr val="accent1">
+              <a:shade val="15000"/>
+            </a:schemeClr>
+          </a:lnRef>
+          <a:fillRef idx="1">
+            <a:schemeClr val="accent1"/>
+          </a:fillRef>
+          <a:effectRef idx="0">
+            <a:schemeClr val="accent1"/>
+          </a:effectRef>
+          <a:fontRef idx="minor">
+            <a:schemeClr val="lt1"/>
+          </a:fontRef>
+        </p:style>
+        <p:txBody>
+          <a:bodyPr rtlCol="0" anchor="t"/>
+          <a:lstStyle/>
+          <a:p>
+            <a:pPr algn="ctr"/>
+            <a:r>
+              <a:rPr lang="en-US" altLang="zh-CN" sz="1200" dirty="0">
+                <a:solidFill>
+                  <a:schemeClr val="bg1">
+                    <a:lumMod val="50000"/>
+                  </a:schemeClr>
+                </a:solidFill>
+                <a:latin typeface="Hero" panose="00000500000000000000" pitchFamily="2" charset="0"/>
+              </a:rPr>
+              <a:t>Object / </a:t>
+            </a:r>
+            <a:r>
+              <a:rPr lang="en-US" altLang="zh-CN" sz="1200" dirty="0" err="1">
+                <a:solidFill>
+                  <a:schemeClr val="bg1">
+                    <a:lumMod val="50000"/>
+                  </a:schemeClr>
+                </a:solidFill>
+                <a:latin typeface="Hero" panose="00000500000000000000" pitchFamily="2" charset="0"/>
+              </a:rPr>
+              <a:t>Linkset</a:t>
+            </a:r>
+            <a:r>
+              <a:rPr lang="en-US" altLang="zh-CN" sz="1200" dirty="0">
+                <a:solidFill>
+                  <a:schemeClr val="bg1">
+                    <a:lumMod val="50000"/>
+                  </a:schemeClr>
+                </a:solidFill>
+                <a:latin typeface="Hero" panose="00000500000000000000" pitchFamily="2" charset="0"/>
+              </a:rPr>
+              <a:t> (Receive)</a:t>
+            </a:r>
+          </a:p>
+        </p:txBody>
+      </p:sp>
+      <p:sp>
+        <p:nvSpPr>
+          <p:cNvPr id="28" name="矩形 27">
+            <a:extLst>
+              <a:ext uri="{FF2B5EF4-FFF2-40B4-BE49-F238E27FC236}">
+                <a16:creationId xmlns:a16="http://schemas.microsoft.com/office/drawing/2014/main" id="{ABF4DBAA-DB5B-2DC2-7F47-641137BD944B}"/>
+              </a:ext>
+            </a:extLst>
+          </p:cNvPr>
+          <p:cNvSpPr/>
+          <p:nvPr/>
+        </p:nvSpPr>
+        <p:spPr>
+          <a:xfrm>
+            <a:off x="425889" y="410251"/>
+            <a:ext cx="3061268" cy="1794563"/>
+          </a:xfrm>
+          <a:prstGeom prst="rect">
+            <a:avLst/>
+          </a:prstGeom>
+          <a:solidFill>
+            <a:schemeClr val="bg1">
+              <a:alpha val="80000"/>
+            </a:schemeClr>
+          </a:solidFill>
+          <a:ln w="28575">
+            <a:solidFill>
+              <a:schemeClr val="bg1">
+                <a:lumMod val="50000"/>
+              </a:schemeClr>
+            </a:solidFill>
+          </a:ln>
+        </p:spPr>
+        <p:style>
+          <a:lnRef idx="2">
+            <a:schemeClr val="accent1">
+              <a:shade val="15000"/>
+            </a:schemeClr>
+          </a:lnRef>
+          <a:fillRef idx="1">
+            <a:schemeClr val="accent1"/>
+          </a:fillRef>
+          <a:effectRef idx="0">
+            <a:schemeClr val="accent1"/>
+          </a:effectRef>
+          <a:fontRef idx="minor">
+            <a:schemeClr val="lt1"/>
+          </a:fontRef>
+        </p:style>
+        <p:txBody>
+          <a:bodyPr rtlCol="0" anchor="t"/>
+          <a:lstStyle/>
+          <a:p>
+            <a:pPr algn="ctr"/>
+            <a:r>
+              <a:rPr lang="en-US" altLang="zh-CN" sz="1200" dirty="0">
+                <a:solidFill>
+                  <a:schemeClr val="bg1">
+                    <a:lumMod val="50000"/>
+                  </a:schemeClr>
+                </a:solidFill>
+                <a:latin typeface="Hero" panose="00000500000000000000" pitchFamily="2" charset="0"/>
+              </a:rPr>
+              <a:t>Object / </a:t>
+            </a:r>
+            <a:r>
+              <a:rPr lang="en-US" altLang="zh-CN" sz="1200" dirty="0" err="1">
+                <a:solidFill>
+                  <a:schemeClr val="bg1">
+                    <a:lumMod val="50000"/>
+                  </a:schemeClr>
+                </a:solidFill>
+                <a:latin typeface="Hero" panose="00000500000000000000" pitchFamily="2" charset="0"/>
+              </a:rPr>
+              <a:t>Linkset</a:t>
+            </a:r>
+            <a:r>
+              <a:rPr lang="en-US" altLang="zh-CN" sz="1200" dirty="0">
+                <a:solidFill>
+                  <a:schemeClr val="bg1">
+                    <a:lumMod val="50000"/>
+                  </a:schemeClr>
+                </a:solidFill>
+                <a:latin typeface="Hero" panose="00000500000000000000" pitchFamily="2" charset="0"/>
+              </a:rPr>
+              <a:t> (Control)</a:t>
+            </a:r>
+          </a:p>
+        </p:txBody>
+      </p:sp>
+      <p:sp>
+        <p:nvSpPr>
+          <p:cNvPr id="4" name="矩形 3">
+            <a:extLst>
+              <a:ext uri="{FF2B5EF4-FFF2-40B4-BE49-F238E27FC236}">
+                <a16:creationId xmlns:a16="http://schemas.microsoft.com/office/drawing/2014/main" id="{838D9CC2-EE42-90E6-523E-4C8650674B44}"/>
+              </a:ext>
+            </a:extLst>
+          </p:cNvPr>
+          <p:cNvSpPr/>
+          <p:nvPr/>
+        </p:nvSpPr>
+        <p:spPr>
+          <a:xfrm>
+            <a:off x="670613" y="769830"/>
+            <a:ext cx="1726251" cy="504203"/>
+          </a:xfrm>
+          <a:prstGeom prst="rect">
+            <a:avLst/>
+          </a:prstGeom>
+          <a:solidFill>
+            <a:srgbClr val="00759E">
+              <a:alpha val="80000"/>
+            </a:srgbClr>
+          </a:solidFill>
+          <a:ln>
+            <a:solidFill>
+              <a:srgbClr val="00B0F0"/>
+            </a:solidFill>
+          </a:ln>
+        </p:spPr>
+        <p:style>
+          <a:lnRef idx="2">
+            <a:schemeClr val="accent1">
+              <a:shade val="15000"/>
+            </a:schemeClr>
+          </a:lnRef>
+          <a:fillRef idx="1">
+            <a:schemeClr val="accent1"/>
+          </a:fillRef>
+          <a:effectRef idx="0">
+            <a:schemeClr val="accent1"/>
+          </a:effectRef>
+          <a:fontRef idx="minor">
+            <a:schemeClr val="lt1"/>
+          </a:fontRef>
+        </p:style>
+        <p:txBody>
+          <a:bodyPr rtlCol="0" anchor="ctr"/>
+          <a:lstStyle/>
+          <a:p>
+            <a:pPr algn="ctr"/>
+            <a:r>
+              <a:rPr lang="en-US" altLang="zh-CN" sz="1600" dirty="0">
+                <a:latin typeface="Hero" panose="00000500000000000000" pitchFamily="2" charset="0"/>
+              </a:rPr>
+              <a:t>SMC.KERNEL</a:t>
+            </a:r>
+          </a:p>
+        </p:txBody>
+      </p:sp>
+      <p:sp>
+        <p:nvSpPr>
+          <p:cNvPr id="5" name="矩形 4">
+            <a:extLst>
+              <a:ext uri="{FF2B5EF4-FFF2-40B4-BE49-F238E27FC236}">
+                <a16:creationId xmlns:a16="http://schemas.microsoft.com/office/drawing/2014/main" id="{A168CA01-05A1-AA94-BFC7-D816829C50AF}"/>
+              </a:ext>
+            </a:extLst>
+          </p:cNvPr>
+          <p:cNvSpPr/>
+          <p:nvPr/>
+        </p:nvSpPr>
+        <p:spPr>
+          <a:xfrm>
+            <a:off x="4890810" y="769730"/>
+            <a:ext cx="1723538" cy="504203"/>
+          </a:xfrm>
+          <a:prstGeom prst="rect">
+            <a:avLst/>
+          </a:prstGeom>
+          <a:solidFill>
+            <a:srgbClr val="009E04">
+              <a:alpha val="80000"/>
+            </a:srgbClr>
+          </a:solidFill>
+          <a:ln>
+            <a:solidFill>
+              <a:srgbClr val="00F028"/>
+            </a:solidFill>
+          </a:ln>
+        </p:spPr>
+        <p:style>
+          <a:lnRef idx="2">
+            <a:schemeClr val="accent1">
+              <a:shade val="15000"/>
+            </a:schemeClr>
+          </a:lnRef>
+          <a:fillRef idx="1">
+            <a:schemeClr val="accent1"/>
+          </a:fillRef>
+          <a:effectRef idx="0">
+            <a:schemeClr val="accent1"/>
+          </a:effectRef>
+          <a:fontRef idx="minor">
+            <a:schemeClr val="lt1"/>
+          </a:fontRef>
+        </p:style>
+        <p:txBody>
+          <a:bodyPr rtlCol="0" anchor="ctr"/>
+          <a:lstStyle/>
+          <a:p>
+            <a:pPr algn="ctr"/>
+            <a:r>
+              <a:rPr lang="en-US" altLang="zh-CN" sz="1600" dirty="0" err="1">
+                <a:latin typeface="Hero" panose="00000500000000000000" pitchFamily="2" charset="0"/>
+              </a:rPr>
+              <a:t>SMC.Client</a:t>
+            </a:r>
+            <a:endParaRPr lang="en-US" altLang="zh-CN" sz="1600" dirty="0">
+              <a:latin typeface="Hero" panose="00000500000000000000" pitchFamily="2" charset="0"/>
+            </a:endParaRPr>
+          </a:p>
+        </p:txBody>
+      </p:sp>
+      <p:sp>
+        <p:nvSpPr>
+          <p:cNvPr id="6" name="矩形 5">
+            <a:extLst>
+              <a:ext uri="{FF2B5EF4-FFF2-40B4-BE49-F238E27FC236}">
+                <a16:creationId xmlns:a16="http://schemas.microsoft.com/office/drawing/2014/main" id="{D8DD7F03-1A3E-BD5A-AFC9-98C697CED4FF}"/>
+              </a:ext>
+            </a:extLst>
+          </p:cNvPr>
+          <p:cNvSpPr/>
+          <p:nvPr/>
+        </p:nvSpPr>
+        <p:spPr>
+          <a:xfrm>
+            <a:off x="1593560" y="1392963"/>
+            <a:ext cx="803304" cy="333285"/>
+          </a:xfrm>
+          <a:prstGeom prst="rect">
+            <a:avLst/>
+          </a:prstGeom>
+          <a:solidFill>
+            <a:srgbClr val="545454">
+              <a:alpha val="80000"/>
+            </a:srgbClr>
+          </a:solidFill>
+          <a:ln>
+            <a:solidFill>
+              <a:schemeClr val="bg1">
+                <a:lumMod val="65000"/>
+              </a:schemeClr>
+            </a:solidFill>
+          </a:ln>
+        </p:spPr>
+        <p:style>
+          <a:lnRef idx="2">
+            <a:schemeClr val="accent1">
+              <a:shade val="15000"/>
+            </a:schemeClr>
+          </a:lnRef>
+          <a:fillRef idx="1">
+            <a:schemeClr val="accent1"/>
+          </a:fillRef>
+          <a:effectRef idx="0">
+            <a:schemeClr val="accent1"/>
+          </a:effectRef>
+          <a:fontRef idx="minor">
+            <a:schemeClr val="lt1"/>
+          </a:fontRef>
+        </p:style>
+        <p:txBody>
+          <a:bodyPr rtlCol="0" anchor="ctr"/>
+          <a:lstStyle/>
+          <a:p>
+            <a:pPr algn="ctr"/>
+            <a:r>
+              <a:rPr lang="en-US" altLang="zh-CN" sz="1400" dirty="0">
+                <a:latin typeface="Hero" panose="00000500000000000000" pitchFamily="2" charset="0"/>
+              </a:rPr>
+              <a:t>.SMC</a:t>
+            </a:r>
+          </a:p>
+        </p:txBody>
+      </p:sp>
+      <p:sp>
+        <p:nvSpPr>
+          <p:cNvPr id="7" name="矩形 6">
+            <a:extLst>
+              <a:ext uri="{FF2B5EF4-FFF2-40B4-BE49-F238E27FC236}">
+                <a16:creationId xmlns:a16="http://schemas.microsoft.com/office/drawing/2014/main" id="{92BC7394-9A91-A043-2EA2-B334C95E80A2}"/>
+              </a:ext>
+            </a:extLst>
+          </p:cNvPr>
+          <p:cNvSpPr/>
+          <p:nvPr/>
+        </p:nvSpPr>
+        <p:spPr>
+          <a:xfrm>
+            <a:off x="4890810" y="1392964"/>
+            <a:ext cx="1471301" cy="333285"/>
+          </a:xfrm>
+          <a:prstGeom prst="rect">
+            <a:avLst/>
+          </a:prstGeom>
+          <a:solidFill>
+            <a:srgbClr val="545454">
+              <a:alpha val="80000"/>
+            </a:srgbClr>
+          </a:solidFill>
+          <a:ln>
+            <a:solidFill>
+              <a:schemeClr val="bg1">
+                <a:lumMod val="65000"/>
+              </a:schemeClr>
+            </a:solidFill>
+          </a:ln>
+        </p:spPr>
+        <p:style>
+          <a:lnRef idx="2">
+            <a:schemeClr val="accent1">
+              <a:shade val="15000"/>
+            </a:schemeClr>
+          </a:lnRef>
+          <a:fillRef idx="1">
+            <a:schemeClr val="accent1"/>
+          </a:fillRef>
+          <a:effectRef idx="0">
+            <a:schemeClr val="accent1"/>
+          </a:effectRef>
+          <a:fontRef idx="minor">
+            <a:schemeClr val="lt1"/>
+          </a:fontRef>
+        </p:style>
+        <p:txBody>
+          <a:bodyPr rtlCol="0" anchor="ctr"/>
+          <a:lstStyle/>
+          <a:p>
+            <a:pPr algn="ctr"/>
+            <a:r>
+              <a:rPr lang="en-US" altLang="zh-CN" sz="1400" dirty="0">
+                <a:latin typeface="Hero" panose="00000500000000000000" pitchFamily="2" charset="0"/>
+              </a:rPr>
+              <a:t>.</a:t>
+            </a:r>
+            <a:r>
+              <a:rPr lang="en-US" altLang="zh-CN" sz="1400" dirty="0" err="1">
+                <a:latin typeface="Hero" panose="00000500000000000000" pitchFamily="2" charset="0"/>
+              </a:rPr>
+              <a:t>SMC.Client</a:t>
+            </a:r>
+            <a:endParaRPr lang="en-US" altLang="zh-CN" sz="1400" dirty="0">
+              <a:latin typeface="Hero" panose="00000500000000000000" pitchFamily="2" charset="0"/>
+            </a:endParaRPr>
+          </a:p>
+        </p:txBody>
+      </p:sp>
+      <p:sp>
+        <p:nvSpPr>
+          <p:cNvPr id="11" name="文本框 10">
+            <a:extLst>
+              <a:ext uri="{FF2B5EF4-FFF2-40B4-BE49-F238E27FC236}">
+                <a16:creationId xmlns:a16="http://schemas.microsoft.com/office/drawing/2014/main" id="{6FB49434-5F75-B4E1-16DA-5B98D4F33895}"/>
+              </a:ext>
+            </a:extLst>
+          </p:cNvPr>
+          <p:cNvSpPr txBox="1"/>
+          <p:nvPr/>
+        </p:nvSpPr>
+        <p:spPr>
+          <a:xfrm>
+            <a:off x="3487157" y="1344997"/>
+            <a:ext cx="338554" cy="369332"/>
+          </a:xfrm>
+          <a:prstGeom prst="rect">
+            <a:avLst/>
+          </a:prstGeom>
+          <a:noFill/>
+        </p:spPr>
+        <p:txBody>
+          <a:bodyPr wrap="none" rtlCol="0">
+            <a:spAutoFit/>
+          </a:bodyPr>
+          <a:lstStyle/>
+          <a:p>
+            <a:r>
+              <a:rPr lang="en-US" altLang="zh-CN" dirty="0">
+                <a:solidFill>
+                  <a:srgbClr val="00B0F0"/>
+                </a:solidFill>
+              </a:rPr>
+              <a:t>=</a:t>
+            </a:r>
+            <a:endParaRPr lang="zh-CN" altLang="en-US" dirty="0">
+              <a:solidFill>
+                <a:srgbClr val="00B0F0"/>
+              </a:solidFill>
+            </a:endParaRPr>
+          </a:p>
+        </p:txBody>
+      </p:sp>
+      <p:sp>
+        <p:nvSpPr>
+          <p:cNvPr id="13" name="文本框 12">
+            <a:extLst>
+              <a:ext uri="{FF2B5EF4-FFF2-40B4-BE49-F238E27FC236}">
+                <a16:creationId xmlns:a16="http://schemas.microsoft.com/office/drawing/2014/main" id="{713E00C2-E7DF-DA25-AA27-602FE45BE186}"/>
+              </a:ext>
+            </a:extLst>
+          </p:cNvPr>
+          <p:cNvSpPr txBox="1"/>
+          <p:nvPr/>
+        </p:nvSpPr>
+        <p:spPr>
+          <a:xfrm>
+            <a:off x="2356340" y="1227893"/>
+            <a:ext cx="786213" cy="646331"/>
+          </a:xfrm>
+          <a:prstGeom prst="rect">
+            <a:avLst/>
+          </a:prstGeom>
+          <a:noFill/>
+        </p:spPr>
+        <p:txBody>
+          <a:bodyPr wrap="square" rtlCol="0">
+            <a:spAutoFit/>
+          </a:bodyPr>
+          <a:lstStyle/>
+          <a:p>
+            <a:r>
+              <a:rPr lang="en-US" altLang="zh-CN" sz="3600" dirty="0">
+                <a:solidFill>
+                  <a:schemeClr val="bg1">
+                    <a:lumMod val="65000"/>
+                  </a:schemeClr>
+                </a:solidFill>
+                <a:latin typeface="Javanese Text" panose="02000000000000000000" pitchFamily="2" charset="0"/>
+              </a:rPr>
+              <a:t>{</a:t>
+            </a:r>
+            <a:endParaRPr lang="zh-CN" altLang="en-US" sz="3600" dirty="0">
+              <a:solidFill>
+                <a:schemeClr val="bg1">
+                  <a:lumMod val="65000"/>
+                </a:schemeClr>
+              </a:solidFill>
+              <a:latin typeface="Javanese Text" panose="02000000000000000000" pitchFamily="2" charset="0"/>
+            </a:endParaRPr>
+          </a:p>
+        </p:txBody>
+      </p:sp>
+      <p:sp>
+        <p:nvSpPr>
+          <p:cNvPr id="14" name="文本框 13">
+            <a:extLst>
+              <a:ext uri="{FF2B5EF4-FFF2-40B4-BE49-F238E27FC236}">
+                <a16:creationId xmlns:a16="http://schemas.microsoft.com/office/drawing/2014/main" id="{0E2F6443-E224-1184-93F5-65D2BF034F1B}"/>
+              </a:ext>
+            </a:extLst>
+          </p:cNvPr>
+          <p:cNvSpPr txBox="1"/>
+          <p:nvPr/>
+        </p:nvSpPr>
+        <p:spPr>
+          <a:xfrm rot="10800000">
+            <a:off x="4144338" y="1274032"/>
+            <a:ext cx="786213" cy="646331"/>
+          </a:xfrm>
+          <a:prstGeom prst="rect">
+            <a:avLst/>
+          </a:prstGeom>
+          <a:noFill/>
+        </p:spPr>
+        <p:txBody>
+          <a:bodyPr wrap="square" rtlCol="0">
+            <a:spAutoFit/>
+          </a:bodyPr>
+          <a:lstStyle/>
+          <a:p>
+            <a:r>
+              <a:rPr lang="en-US" altLang="zh-CN" sz="3600" dirty="0">
+                <a:solidFill>
+                  <a:schemeClr val="bg1">
+                    <a:lumMod val="65000"/>
+                  </a:schemeClr>
+                </a:solidFill>
+                <a:latin typeface="Javanese Text" panose="02000000000000000000" pitchFamily="2" charset="0"/>
+              </a:rPr>
+              <a:t>{</a:t>
+            </a:r>
+            <a:endParaRPr lang="zh-CN" altLang="en-US" sz="3600" dirty="0">
+              <a:solidFill>
+                <a:schemeClr val="bg1">
+                  <a:lumMod val="65000"/>
+                </a:schemeClr>
+              </a:solidFill>
+              <a:latin typeface="Javanese Text" panose="02000000000000000000" pitchFamily="2" charset="0"/>
+            </a:endParaRPr>
+          </a:p>
+        </p:txBody>
+      </p:sp>
+      <p:sp>
+        <p:nvSpPr>
+          <p:cNvPr id="15" name="文本框 14">
+            <a:extLst>
+              <a:ext uri="{FF2B5EF4-FFF2-40B4-BE49-F238E27FC236}">
+                <a16:creationId xmlns:a16="http://schemas.microsoft.com/office/drawing/2014/main" id="{1A7D2B38-EDF1-1FF2-53BC-6B96C9D1700F}"/>
+              </a:ext>
+            </a:extLst>
+          </p:cNvPr>
+          <p:cNvSpPr txBox="1"/>
+          <p:nvPr/>
+        </p:nvSpPr>
+        <p:spPr>
+          <a:xfrm>
+            <a:off x="2612403" y="1021832"/>
+            <a:ext cx="811441" cy="1015663"/>
+          </a:xfrm>
+          <a:prstGeom prst="rect">
+            <a:avLst/>
+          </a:prstGeom>
+          <a:noFill/>
+        </p:spPr>
+        <p:txBody>
+          <a:bodyPr wrap="none" rtlCol="0">
+            <a:spAutoFit/>
+          </a:bodyPr>
+          <a:lstStyle/>
+          <a:p>
+            <a:r>
+              <a:rPr lang="en-US" altLang="zh-CN" sz="1200" dirty="0">
+                <a:latin typeface="Hero" panose="00000500000000000000" pitchFamily="2" charset="0"/>
+              </a:rPr>
+              <a:t>.....</a:t>
+            </a:r>
+          </a:p>
+          <a:p>
+            <a:r>
+              <a:rPr lang="en-US" altLang="zh-CN" sz="1200" dirty="0">
+                <a:latin typeface="Hero" panose="00000500000000000000" pitchFamily="2" charset="0"/>
+              </a:rPr>
+              <a:t>……</a:t>
+            </a:r>
+          </a:p>
+          <a:p>
+            <a:r>
+              <a:rPr lang="en-US" altLang="zh-CN" sz="1200" dirty="0">
+                <a:latin typeface="Hero" panose="00000500000000000000" pitchFamily="2" charset="0"/>
+              </a:rPr>
+              <a:t>REMOTE</a:t>
+            </a:r>
+          </a:p>
+          <a:p>
+            <a:r>
+              <a:rPr lang="en-US" altLang="zh-CN" sz="1200" dirty="0">
+                <a:latin typeface="Hero" panose="00000500000000000000" pitchFamily="2" charset="0"/>
+              </a:rPr>
+              <a:t>.....</a:t>
+            </a:r>
+          </a:p>
+          <a:p>
+            <a:r>
+              <a:rPr lang="en-US" altLang="zh-CN" sz="1200" dirty="0">
+                <a:latin typeface="Hero" panose="00000500000000000000" pitchFamily="2" charset="0"/>
+              </a:rPr>
+              <a:t>.....</a:t>
+            </a:r>
+            <a:endParaRPr lang="zh-CN" altLang="en-US" sz="1200" dirty="0">
+              <a:latin typeface="Hero" panose="00000500000000000000" pitchFamily="2" charset="0"/>
+            </a:endParaRPr>
+          </a:p>
+        </p:txBody>
+      </p:sp>
+      <p:sp>
+        <p:nvSpPr>
+          <p:cNvPr id="16" name="文本框 15">
+            <a:extLst>
+              <a:ext uri="{FF2B5EF4-FFF2-40B4-BE49-F238E27FC236}">
+                <a16:creationId xmlns:a16="http://schemas.microsoft.com/office/drawing/2014/main" id="{7964C8EA-2EE2-4E65-B359-68D78477089C}"/>
+              </a:ext>
+            </a:extLst>
+          </p:cNvPr>
+          <p:cNvSpPr txBox="1"/>
+          <p:nvPr/>
+        </p:nvSpPr>
+        <p:spPr>
+          <a:xfrm>
+            <a:off x="3889025" y="1021832"/>
+            <a:ext cx="811504" cy="1015663"/>
+          </a:xfrm>
+          <a:prstGeom prst="rect">
+            <a:avLst/>
+          </a:prstGeom>
+          <a:noFill/>
+        </p:spPr>
+        <p:txBody>
+          <a:bodyPr wrap="none" rtlCol="0">
+            <a:spAutoFit/>
+          </a:bodyPr>
+          <a:lstStyle/>
+          <a:p>
+            <a:pPr algn="r"/>
+            <a:r>
+              <a:rPr lang="en-US" altLang="zh-CN" sz="1200" dirty="0">
+                <a:latin typeface="Hero" panose="00000500000000000000" pitchFamily="2" charset="0"/>
+              </a:rPr>
+              <a:t>……</a:t>
+            </a:r>
+          </a:p>
+          <a:p>
+            <a:pPr algn="r"/>
+            <a:r>
+              <a:rPr lang="en-US" altLang="zh-CN" sz="1200" dirty="0">
+                <a:latin typeface="Hero" panose="00000500000000000000" pitchFamily="2" charset="0"/>
+              </a:rPr>
+              <a:t>……</a:t>
+            </a:r>
+          </a:p>
+          <a:p>
+            <a:pPr algn="r"/>
+            <a:r>
+              <a:rPr lang="en-US" altLang="zh-CN" sz="1200" dirty="0">
+                <a:latin typeface="Hero" panose="00000500000000000000" pitchFamily="2" charset="0"/>
+              </a:rPr>
+              <a:t>REMOTE</a:t>
+            </a:r>
+          </a:p>
+          <a:p>
+            <a:pPr algn="r"/>
+            <a:r>
+              <a:rPr lang="en-US" altLang="zh-CN" sz="1200" dirty="0">
+                <a:latin typeface="Hero" panose="00000500000000000000" pitchFamily="2" charset="0"/>
+              </a:rPr>
+              <a:t>……</a:t>
+            </a:r>
+          </a:p>
+          <a:p>
+            <a:pPr algn="r"/>
+            <a:r>
+              <a:rPr lang="en-US" altLang="zh-CN" sz="1200" dirty="0">
+                <a:latin typeface="Hero" panose="00000500000000000000" pitchFamily="2" charset="0"/>
+              </a:rPr>
+              <a:t>……</a:t>
+            </a:r>
+            <a:endParaRPr lang="zh-CN" altLang="en-US" sz="1200" dirty="0">
+              <a:latin typeface="Hero" panose="00000500000000000000" pitchFamily="2" charset="0"/>
+            </a:endParaRPr>
+          </a:p>
+        </p:txBody>
+      </p:sp>
+      <p:sp>
+        <p:nvSpPr>
+          <p:cNvPr id="17" name="矩形 16">
+            <a:extLst>
+              <a:ext uri="{FF2B5EF4-FFF2-40B4-BE49-F238E27FC236}">
+                <a16:creationId xmlns:a16="http://schemas.microsoft.com/office/drawing/2014/main" id="{F31720C1-9890-DB07-112D-2619F88AA702}"/>
+              </a:ext>
+            </a:extLst>
+          </p:cNvPr>
+          <p:cNvSpPr/>
+          <p:nvPr/>
+        </p:nvSpPr>
+        <p:spPr>
+          <a:xfrm>
+            <a:off x="677183" y="2966599"/>
+            <a:ext cx="1723539" cy="489441"/>
+          </a:xfrm>
+          <a:prstGeom prst="rect">
+            <a:avLst/>
+          </a:prstGeom>
+          <a:solidFill>
+            <a:srgbClr val="00759E">
+              <a:alpha val="80000"/>
+            </a:srgbClr>
+          </a:solidFill>
+          <a:ln>
+            <a:solidFill>
+              <a:srgbClr val="00B0F0"/>
+            </a:solidFill>
+          </a:ln>
+        </p:spPr>
+        <p:style>
+          <a:lnRef idx="2">
+            <a:schemeClr val="accent1">
+              <a:shade val="15000"/>
+            </a:schemeClr>
+          </a:lnRef>
+          <a:fillRef idx="1">
+            <a:schemeClr val="accent1"/>
+          </a:fillRef>
+          <a:effectRef idx="0">
+            <a:schemeClr val="accent1"/>
+          </a:effectRef>
+          <a:fontRef idx="minor">
+            <a:schemeClr val="lt1"/>
+          </a:fontRef>
+        </p:style>
+        <p:txBody>
+          <a:bodyPr rtlCol="0" anchor="ctr"/>
+          <a:lstStyle/>
+          <a:p>
+            <a:pPr algn="ctr"/>
+            <a:r>
+              <a:rPr lang="en-US" altLang="zh-CN" sz="1600" dirty="0">
+                <a:latin typeface="Hero" panose="00000500000000000000" pitchFamily="2" charset="0"/>
+              </a:rPr>
+              <a:t>SMC.KERNEL</a:t>
+            </a:r>
+          </a:p>
+        </p:txBody>
+      </p:sp>
+      <p:sp>
+        <p:nvSpPr>
+          <p:cNvPr id="18" name="矩形 17">
+            <a:extLst>
+              <a:ext uri="{FF2B5EF4-FFF2-40B4-BE49-F238E27FC236}">
+                <a16:creationId xmlns:a16="http://schemas.microsoft.com/office/drawing/2014/main" id="{08586596-EFE6-941F-22D0-2ACB38527E6D}"/>
+              </a:ext>
+            </a:extLst>
+          </p:cNvPr>
+          <p:cNvSpPr/>
+          <p:nvPr/>
+        </p:nvSpPr>
+        <p:spPr>
+          <a:xfrm>
+            <a:off x="4235163" y="2966599"/>
+            <a:ext cx="1723538" cy="489441"/>
+          </a:xfrm>
+          <a:prstGeom prst="rect">
+            <a:avLst/>
+          </a:prstGeom>
+          <a:solidFill>
+            <a:srgbClr val="009E04">
+              <a:alpha val="80000"/>
+            </a:srgbClr>
+          </a:solidFill>
+          <a:ln>
+            <a:solidFill>
+              <a:srgbClr val="00F028"/>
+            </a:solidFill>
+          </a:ln>
+        </p:spPr>
+        <p:style>
+          <a:lnRef idx="2">
+            <a:schemeClr val="accent1">
+              <a:shade val="15000"/>
+            </a:schemeClr>
+          </a:lnRef>
+          <a:fillRef idx="1">
+            <a:schemeClr val="accent1"/>
+          </a:fillRef>
+          <a:effectRef idx="0">
+            <a:schemeClr val="accent1"/>
+          </a:effectRef>
+          <a:fontRef idx="minor">
+            <a:schemeClr val="lt1"/>
+          </a:fontRef>
+        </p:style>
+        <p:txBody>
+          <a:bodyPr rtlCol="0" anchor="ctr"/>
+          <a:lstStyle/>
+          <a:p>
+            <a:pPr algn="ctr"/>
+            <a:r>
+              <a:rPr lang="en-US" altLang="zh-CN" sz="1600" dirty="0" err="1">
+                <a:latin typeface="Hero" panose="00000500000000000000" pitchFamily="2" charset="0"/>
+              </a:rPr>
+              <a:t>SMC.Client</a:t>
+            </a:r>
+            <a:endParaRPr lang="en-US" altLang="zh-CN" sz="1600" dirty="0">
+              <a:latin typeface="Hero" panose="00000500000000000000" pitchFamily="2" charset="0"/>
+            </a:endParaRPr>
+          </a:p>
+        </p:txBody>
+      </p:sp>
+      <p:sp>
+        <p:nvSpPr>
+          <p:cNvPr id="21" name="矩形 20">
+            <a:extLst>
+              <a:ext uri="{FF2B5EF4-FFF2-40B4-BE49-F238E27FC236}">
+                <a16:creationId xmlns:a16="http://schemas.microsoft.com/office/drawing/2014/main" id="{80C7C459-CE1B-3131-B926-1CFDF6B83B7E}"/>
+              </a:ext>
+            </a:extLst>
+          </p:cNvPr>
+          <p:cNvSpPr/>
+          <p:nvPr/>
+        </p:nvSpPr>
+        <p:spPr>
+          <a:xfrm>
+            <a:off x="1601206" y="3583565"/>
+            <a:ext cx="803304" cy="333285"/>
+          </a:xfrm>
+          <a:prstGeom prst="rect">
+            <a:avLst/>
+          </a:prstGeom>
+          <a:solidFill>
+            <a:srgbClr val="545454">
+              <a:alpha val="80000"/>
+            </a:srgbClr>
+          </a:solidFill>
+          <a:ln>
+            <a:solidFill>
+              <a:schemeClr val="bg1">
+                <a:lumMod val="65000"/>
+              </a:schemeClr>
+            </a:solidFill>
+          </a:ln>
+        </p:spPr>
+        <p:style>
+          <a:lnRef idx="2">
+            <a:schemeClr val="accent1">
+              <a:shade val="15000"/>
+            </a:schemeClr>
+          </a:lnRef>
+          <a:fillRef idx="1">
+            <a:schemeClr val="accent1"/>
+          </a:fillRef>
+          <a:effectRef idx="0">
+            <a:schemeClr val="accent1"/>
+          </a:effectRef>
+          <a:fontRef idx="minor">
+            <a:schemeClr val="lt1"/>
+          </a:fontRef>
+        </p:style>
+        <p:txBody>
+          <a:bodyPr rtlCol="0" anchor="ctr"/>
+          <a:lstStyle/>
+          <a:p>
+            <a:pPr algn="ctr"/>
+            <a:r>
+              <a:rPr lang="en-US" altLang="zh-CN" sz="1400" dirty="0">
+                <a:latin typeface="Hero" panose="00000500000000000000" pitchFamily="2" charset="0"/>
+              </a:rPr>
+              <a:t>.SMC</a:t>
+            </a:r>
+          </a:p>
+        </p:txBody>
+      </p:sp>
+      <p:sp>
+        <p:nvSpPr>
+          <p:cNvPr id="22" name="矩形 21">
+            <a:extLst>
+              <a:ext uri="{FF2B5EF4-FFF2-40B4-BE49-F238E27FC236}">
+                <a16:creationId xmlns:a16="http://schemas.microsoft.com/office/drawing/2014/main" id="{127846D7-3836-34F2-4589-1C9FC95F479E}"/>
+              </a:ext>
+            </a:extLst>
+          </p:cNvPr>
+          <p:cNvSpPr/>
+          <p:nvPr/>
+        </p:nvSpPr>
+        <p:spPr>
+          <a:xfrm>
+            <a:off x="4235163" y="3580192"/>
+            <a:ext cx="1471301" cy="333285"/>
+          </a:xfrm>
+          <a:prstGeom prst="rect">
+            <a:avLst/>
+          </a:prstGeom>
+          <a:solidFill>
+            <a:srgbClr val="545454">
+              <a:alpha val="80000"/>
+            </a:srgbClr>
+          </a:solidFill>
+          <a:ln>
+            <a:solidFill>
+              <a:schemeClr val="bg1">
+                <a:lumMod val="65000"/>
+              </a:schemeClr>
+            </a:solidFill>
+          </a:ln>
+        </p:spPr>
+        <p:style>
+          <a:lnRef idx="2">
+            <a:schemeClr val="accent1">
+              <a:shade val="15000"/>
+            </a:schemeClr>
+          </a:lnRef>
+          <a:fillRef idx="1">
+            <a:schemeClr val="accent1"/>
+          </a:fillRef>
+          <a:effectRef idx="0">
+            <a:schemeClr val="accent1"/>
+          </a:effectRef>
+          <a:fontRef idx="minor">
+            <a:schemeClr val="lt1"/>
+          </a:fontRef>
+        </p:style>
+        <p:txBody>
+          <a:bodyPr rtlCol="0" anchor="ctr"/>
+          <a:lstStyle/>
+          <a:p>
+            <a:pPr algn="ctr"/>
+            <a:r>
+              <a:rPr lang="en-US" altLang="zh-CN" sz="1400" dirty="0">
+                <a:latin typeface="Hero" panose="00000500000000000000" pitchFamily="2" charset="0"/>
+              </a:rPr>
+              <a:t>.</a:t>
+            </a:r>
+            <a:r>
+              <a:rPr lang="en-US" altLang="zh-CN" sz="1400" dirty="0" err="1">
+                <a:latin typeface="Hero" panose="00000500000000000000" pitchFamily="2" charset="0"/>
+              </a:rPr>
+              <a:t>SMC.Client</a:t>
+            </a:r>
+            <a:endParaRPr lang="en-US" altLang="zh-CN" sz="1400" dirty="0">
+              <a:latin typeface="Hero" panose="00000500000000000000" pitchFamily="2" charset="0"/>
+            </a:endParaRPr>
+          </a:p>
+        </p:txBody>
+      </p:sp>
+      <p:sp>
+        <p:nvSpPr>
+          <p:cNvPr id="23" name="文本框 22">
+            <a:extLst>
+              <a:ext uri="{FF2B5EF4-FFF2-40B4-BE49-F238E27FC236}">
+                <a16:creationId xmlns:a16="http://schemas.microsoft.com/office/drawing/2014/main" id="{6F1E7803-A589-D5C5-7513-ACA3FE71D323}"/>
+              </a:ext>
+            </a:extLst>
+          </p:cNvPr>
+          <p:cNvSpPr txBox="1"/>
+          <p:nvPr/>
+        </p:nvSpPr>
+        <p:spPr>
+          <a:xfrm>
+            <a:off x="3158745" y="3544145"/>
+            <a:ext cx="338554" cy="369332"/>
+          </a:xfrm>
+          <a:prstGeom prst="rect">
+            <a:avLst/>
+          </a:prstGeom>
+          <a:noFill/>
+        </p:spPr>
+        <p:txBody>
+          <a:bodyPr wrap="none" rtlCol="0">
+            <a:spAutoFit/>
+          </a:bodyPr>
+          <a:lstStyle/>
+          <a:p>
+            <a:r>
+              <a:rPr lang="en-US" altLang="zh-CN" dirty="0">
+                <a:solidFill>
+                  <a:srgbClr val="00B0F0"/>
+                </a:solidFill>
+              </a:rPr>
+              <a:t>=</a:t>
+            </a:r>
+            <a:endParaRPr lang="zh-CN" altLang="en-US" dirty="0">
+              <a:solidFill>
+                <a:srgbClr val="00B0F0"/>
+              </a:solidFill>
+            </a:endParaRPr>
+          </a:p>
+        </p:txBody>
+      </p:sp>
+      <p:sp>
+        <p:nvSpPr>
+          <p:cNvPr id="24" name="文本框 23">
+            <a:extLst>
+              <a:ext uri="{FF2B5EF4-FFF2-40B4-BE49-F238E27FC236}">
+                <a16:creationId xmlns:a16="http://schemas.microsoft.com/office/drawing/2014/main" id="{CAD713EA-80B0-6C3B-0C21-ADE099C716EE}"/>
+              </a:ext>
+            </a:extLst>
+          </p:cNvPr>
+          <p:cNvSpPr txBox="1"/>
+          <p:nvPr/>
+        </p:nvSpPr>
+        <p:spPr>
+          <a:xfrm>
+            <a:off x="2363986" y="3418495"/>
+            <a:ext cx="786213" cy="646331"/>
+          </a:xfrm>
+          <a:prstGeom prst="rect">
+            <a:avLst/>
+          </a:prstGeom>
+          <a:noFill/>
+        </p:spPr>
+        <p:txBody>
+          <a:bodyPr wrap="square" rtlCol="0">
+            <a:spAutoFit/>
+          </a:bodyPr>
+          <a:lstStyle/>
+          <a:p>
+            <a:r>
+              <a:rPr lang="en-US" altLang="zh-CN" sz="3600" dirty="0">
+                <a:solidFill>
+                  <a:schemeClr val="bg1">
+                    <a:lumMod val="65000"/>
+                  </a:schemeClr>
+                </a:solidFill>
+                <a:latin typeface="Javanese Text" panose="02000000000000000000" pitchFamily="2" charset="0"/>
+              </a:rPr>
+              <a:t>{</a:t>
+            </a:r>
+            <a:endParaRPr lang="zh-CN" altLang="en-US" sz="3600" dirty="0">
+              <a:solidFill>
+                <a:schemeClr val="bg1">
+                  <a:lumMod val="65000"/>
+                </a:schemeClr>
+              </a:solidFill>
+              <a:latin typeface="Javanese Text" panose="02000000000000000000" pitchFamily="2" charset="0"/>
+            </a:endParaRPr>
+          </a:p>
+        </p:txBody>
+      </p:sp>
+      <p:sp>
+        <p:nvSpPr>
+          <p:cNvPr id="25" name="文本框 24">
+            <a:extLst>
+              <a:ext uri="{FF2B5EF4-FFF2-40B4-BE49-F238E27FC236}">
+                <a16:creationId xmlns:a16="http://schemas.microsoft.com/office/drawing/2014/main" id="{4C82730A-5D55-B16F-F229-6AD91321B7E4}"/>
+              </a:ext>
+            </a:extLst>
+          </p:cNvPr>
+          <p:cNvSpPr txBox="1"/>
+          <p:nvPr/>
+        </p:nvSpPr>
+        <p:spPr>
+          <a:xfrm rot="10800000">
+            <a:off x="3488691" y="3461260"/>
+            <a:ext cx="786213" cy="646331"/>
+          </a:xfrm>
+          <a:prstGeom prst="rect">
+            <a:avLst/>
+          </a:prstGeom>
+          <a:noFill/>
+        </p:spPr>
+        <p:txBody>
+          <a:bodyPr wrap="square" rtlCol="0">
+            <a:spAutoFit/>
+          </a:bodyPr>
+          <a:lstStyle/>
+          <a:p>
+            <a:r>
+              <a:rPr lang="en-US" altLang="zh-CN" sz="3600" dirty="0">
+                <a:solidFill>
+                  <a:schemeClr val="bg1">
+                    <a:lumMod val="65000"/>
+                  </a:schemeClr>
+                </a:solidFill>
+                <a:latin typeface="Javanese Text" panose="02000000000000000000" pitchFamily="2" charset="0"/>
+              </a:rPr>
+              <a:t>{</a:t>
+            </a:r>
+            <a:endParaRPr lang="zh-CN" altLang="en-US" sz="3600" dirty="0">
+              <a:solidFill>
+                <a:schemeClr val="bg1">
+                  <a:lumMod val="65000"/>
+                </a:schemeClr>
+              </a:solidFill>
+              <a:latin typeface="Javanese Text" panose="02000000000000000000" pitchFamily="2" charset="0"/>
+            </a:endParaRPr>
+          </a:p>
+        </p:txBody>
+      </p:sp>
+      <p:sp>
+        <p:nvSpPr>
+          <p:cNvPr id="26" name="文本框 25">
+            <a:extLst>
+              <a:ext uri="{FF2B5EF4-FFF2-40B4-BE49-F238E27FC236}">
+                <a16:creationId xmlns:a16="http://schemas.microsoft.com/office/drawing/2014/main" id="{9872CAF9-8027-95A7-971E-15432A252477}"/>
+              </a:ext>
+            </a:extLst>
+          </p:cNvPr>
+          <p:cNvSpPr txBox="1"/>
+          <p:nvPr/>
+        </p:nvSpPr>
+        <p:spPr>
+          <a:xfrm>
+            <a:off x="2620049" y="3212434"/>
+            <a:ext cx="686406" cy="1015663"/>
+          </a:xfrm>
+          <a:prstGeom prst="rect">
+            <a:avLst/>
+          </a:prstGeom>
+          <a:noFill/>
+        </p:spPr>
+        <p:txBody>
+          <a:bodyPr wrap="none" rtlCol="0">
+            <a:spAutoFit/>
+          </a:bodyPr>
+          <a:lstStyle/>
+          <a:p>
+            <a:r>
+              <a:rPr lang="en-US" altLang="zh-CN" sz="1200" dirty="0">
+                <a:latin typeface="Hero" panose="00000500000000000000" pitchFamily="2" charset="0"/>
+              </a:rPr>
+              <a:t>……</a:t>
+            </a:r>
+          </a:p>
+          <a:p>
+            <a:r>
+              <a:rPr lang="en-US" altLang="zh-CN" sz="1200" dirty="0">
+                <a:latin typeface="Hero" panose="00000500000000000000" pitchFamily="2" charset="0"/>
+              </a:rPr>
+              <a:t>……</a:t>
+            </a:r>
+          </a:p>
+          <a:p>
+            <a:r>
+              <a:rPr lang="en-US" altLang="zh-CN" sz="1200" dirty="0">
+                <a:latin typeface="Hero" panose="00000500000000000000" pitchFamily="2" charset="0"/>
+              </a:rPr>
+              <a:t>LOCAL</a:t>
+            </a:r>
+          </a:p>
+          <a:p>
+            <a:r>
+              <a:rPr lang="en-US" altLang="zh-CN" sz="1200" dirty="0">
+                <a:latin typeface="Hero" panose="00000500000000000000" pitchFamily="2" charset="0"/>
+              </a:rPr>
+              <a:t>……</a:t>
+            </a:r>
+          </a:p>
+          <a:p>
+            <a:r>
+              <a:rPr lang="en-US" altLang="zh-CN" sz="1200" dirty="0">
+                <a:latin typeface="Hero" panose="00000500000000000000" pitchFamily="2" charset="0"/>
+              </a:rPr>
+              <a:t>……</a:t>
+            </a:r>
+            <a:endParaRPr lang="zh-CN" altLang="en-US" sz="1200" dirty="0">
+              <a:latin typeface="Hero" panose="00000500000000000000" pitchFamily="2" charset="0"/>
+            </a:endParaRPr>
+          </a:p>
+        </p:txBody>
+      </p:sp>
+      <p:sp>
+        <p:nvSpPr>
+          <p:cNvPr id="27" name="文本框 26">
+            <a:extLst>
+              <a:ext uri="{FF2B5EF4-FFF2-40B4-BE49-F238E27FC236}">
+                <a16:creationId xmlns:a16="http://schemas.microsoft.com/office/drawing/2014/main" id="{06DFBCA3-63A0-367A-1074-200518A7FA95}"/>
+              </a:ext>
+            </a:extLst>
+          </p:cNvPr>
+          <p:cNvSpPr txBox="1"/>
+          <p:nvPr/>
+        </p:nvSpPr>
+        <p:spPr>
+          <a:xfrm>
+            <a:off x="3357913" y="3212434"/>
+            <a:ext cx="686406" cy="1015663"/>
+          </a:xfrm>
+          <a:prstGeom prst="rect">
+            <a:avLst/>
+          </a:prstGeom>
+          <a:noFill/>
+        </p:spPr>
+        <p:txBody>
+          <a:bodyPr wrap="none" rtlCol="0">
+            <a:spAutoFit/>
+          </a:bodyPr>
+          <a:lstStyle/>
+          <a:p>
+            <a:pPr algn="r"/>
+            <a:r>
+              <a:rPr lang="en-US" altLang="zh-CN" sz="1200" dirty="0">
+                <a:latin typeface="Hero" panose="00000500000000000000" pitchFamily="2" charset="0"/>
+              </a:rPr>
+              <a:t>……</a:t>
+            </a:r>
+          </a:p>
+          <a:p>
+            <a:pPr algn="r"/>
+            <a:r>
+              <a:rPr lang="en-US" altLang="zh-CN" sz="1200" dirty="0">
+                <a:latin typeface="Hero" panose="00000500000000000000" pitchFamily="2" charset="0"/>
+              </a:rPr>
+              <a:t>……</a:t>
+            </a:r>
+          </a:p>
+          <a:p>
+            <a:pPr algn="r"/>
+            <a:r>
+              <a:rPr lang="en-US" altLang="zh-CN" sz="1200" dirty="0">
+                <a:latin typeface="Hero" panose="00000500000000000000" pitchFamily="2" charset="0"/>
+              </a:rPr>
+              <a:t>LOCAL</a:t>
+            </a:r>
+          </a:p>
+          <a:p>
+            <a:pPr algn="r"/>
+            <a:r>
+              <a:rPr lang="en-US" altLang="zh-CN" sz="1200" dirty="0">
+                <a:latin typeface="Hero" panose="00000500000000000000" pitchFamily="2" charset="0"/>
+              </a:rPr>
+              <a:t>……</a:t>
+            </a:r>
+          </a:p>
+          <a:p>
+            <a:pPr algn="r"/>
+            <a:r>
+              <a:rPr lang="en-US" altLang="zh-CN" sz="1200" dirty="0">
+                <a:latin typeface="Hero" panose="00000500000000000000" pitchFamily="2" charset="0"/>
+              </a:rPr>
+              <a:t>……</a:t>
+            </a:r>
+            <a:endParaRPr lang="zh-CN" altLang="en-US" sz="1200" dirty="0">
+              <a:latin typeface="Hero" panose="00000500000000000000" pitchFamily="2" charset="0"/>
+            </a:endParaRPr>
+          </a:p>
+        </p:txBody>
+      </p:sp>
+    </p:spTree>
+    <p:extLst>
+      <p:ext uri="{BB962C8B-B14F-4D97-AF65-F5344CB8AC3E}">
+        <p14:creationId xmlns:p14="http://schemas.microsoft.com/office/powerpoint/2010/main" val="869109375"/>
+      </p:ext>
+    </p:extLst>
+  </p:cSld>
+  <p:clrMapOvr>
+    <a:masterClrMapping/>
+  </p:clrMapOvr>
+</p:sld>
+</file>
+
+<file path=ppt/slides/slide8.xml><?xml version="1.0" encoding="utf-8"?>
+<p:sld xmlns:a="http://schemas.openxmlformats.org/drawingml/2006/main" xmlns:r="http://schemas.openxmlformats.org/officeDocument/2006/relationships" xmlns:p="http://schemas.openxmlformats.org/presentationml/2006/main">
+  <p:cSld>
+    <p:spTree>
+      <p:nvGrpSpPr>
+        <p:cNvPr id="1" name=""/>
+        <p:cNvGrpSpPr/>
+        <p:nvPr/>
+      </p:nvGrpSpPr>
+      <p:grpSpPr>
+        <a:xfrm>
+          <a:off x="0" y="0"/>
+          <a:ext cx="0" cy="0"/>
+          <a:chOff x="0" y="0"/>
+          <a:chExt cx="0" cy="0"/>
+        </a:xfrm>
+      </p:grpSpPr>
+      <p:sp>
+        <p:nvSpPr>
+          <p:cNvPr id="4" name="矩形 3">
+            <a:extLst>
+              <a:ext uri="{FF2B5EF4-FFF2-40B4-BE49-F238E27FC236}">
+                <a16:creationId xmlns:a16="http://schemas.microsoft.com/office/drawing/2014/main" id="{89CFD95F-3B42-6CE5-217E-2A4F1EF4111A}"/>
+              </a:ext>
+            </a:extLst>
+          </p:cNvPr>
+          <p:cNvSpPr/>
+          <p:nvPr/>
+        </p:nvSpPr>
+        <p:spPr>
+          <a:xfrm>
+            <a:off x="370096" y="1989715"/>
+            <a:ext cx="7246762" cy="4723085"/>
+          </a:xfrm>
+          <a:prstGeom prst="rect">
+            <a:avLst/>
+          </a:prstGeom>
+          <a:solidFill>
+            <a:schemeClr val="bg1"/>
+          </a:solidFill>
+          <a:ln w="28575">
+            <a:solidFill>
+              <a:schemeClr val="bg1">
+                <a:lumMod val="50000"/>
+              </a:schemeClr>
+            </a:solidFill>
+          </a:ln>
+        </p:spPr>
+        <p:style>
+          <a:lnRef idx="2">
+            <a:schemeClr val="accent1">
+              <a:shade val="15000"/>
+            </a:schemeClr>
+          </a:lnRef>
+          <a:fillRef idx="1">
+            <a:schemeClr val="accent1"/>
+          </a:fillRef>
+          <a:effectRef idx="0">
+            <a:schemeClr val="accent1"/>
+          </a:effectRef>
+          <a:fontRef idx="minor">
+            <a:schemeClr val="lt1"/>
+          </a:fontRef>
+        </p:style>
+        <p:txBody>
+          <a:bodyPr rtlCol="0" anchor="t"/>
+          <a:lstStyle/>
+          <a:p>
+            <a:r>
+              <a:rPr lang="en-US" altLang="zh-CN" sz="1400" dirty="0" err="1">
+                <a:solidFill>
+                  <a:schemeClr val="bg1">
+                    <a:lumMod val="50000"/>
+                  </a:schemeClr>
+                </a:solidFill>
+                <a:latin typeface="Hero" panose="00000500000000000000" pitchFamily="2" charset="0"/>
+              </a:rPr>
+              <a:t>Linkset</a:t>
+            </a:r>
+            <a:endParaRPr lang="en-US" altLang="zh-CN" sz="1400" dirty="0">
+              <a:solidFill>
+                <a:schemeClr val="bg1">
+                  <a:lumMod val="50000"/>
+                </a:schemeClr>
+              </a:solidFill>
+              <a:latin typeface="Hero" panose="00000500000000000000" pitchFamily="2" charset="0"/>
+            </a:endParaRPr>
+          </a:p>
+        </p:txBody>
+      </p:sp>
+      <p:sp>
+        <p:nvSpPr>
+          <p:cNvPr id="5" name="矩形 4">
+            <a:extLst>
+              <a:ext uri="{FF2B5EF4-FFF2-40B4-BE49-F238E27FC236}">
+                <a16:creationId xmlns:a16="http://schemas.microsoft.com/office/drawing/2014/main" id="{6E9F75A8-8E85-3F1F-519C-1669C1E16826}"/>
+              </a:ext>
+            </a:extLst>
+          </p:cNvPr>
+          <p:cNvSpPr/>
+          <p:nvPr/>
+        </p:nvSpPr>
+        <p:spPr>
+          <a:xfrm>
+            <a:off x="733510" y="2759257"/>
+            <a:ext cx="2054486" cy="489441"/>
+          </a:xfrm>
+          <a:prstGeom prst="rect">
+            <a:avLst/>
+          </a:prstGeom>
+          <a:solidFill>
+            <a:srgbClr val="00759E">
+              <a:alpha val="80000"/>
+            </a:srgbClr>
+          </a:solidFill>
+          <a:ln>
+            <a:solidFill>
+              <a:srgbClr val="00B0F0"/>
+            </a:solidFill>
+          </a:ln>
+        </p:spPr>
+        <p:style>
+          <a:lnRef idx="2">
+            <a:schemeClr val="accent1">
+              <a:shade val="15000"/>
+            </a:schemeClr>
+          </a:lnRef>
+          <a:fillRef idx="1">
+            <a:schemeClr val="accent1"/>
+          </a:fillRef>
+          <a:effectRef idx="0">
+            <a:schemeClr val="accent1"/>
+          </a:effectRef>
+          <a:fontRef idx="minor">
+            <a:schemeClr val="lt1"/>
+          </a:fontRef>
+        </p:style>
+        <p:txBody>
+          <a:bodyPr rtlCol="0" anchor="ctr"/>
+          <a:lstStyle/>
+          <a:p>
+            <a:pPr algn="ctr"/>
+            <a:r>
+              <a:rPr lang="en-US" altLang="zh-CN" sz="1600" dirty="0">
+                <a:latin typeface="Hero" panose="00000500000000000000" pitchFamily="2" charset="0"/>
+              </a:rPr>
+              <a:t>SMC.KERNEL</a:t>
+            </a:r>
+          </a:p>
+        </p:txBody>
+      </p:sp>
+      <p:sp>
+        <p:nvSpPr>
+          <p:cNvPr id="6" name="矩形 5">
+            <a:extLst>
+              <a:ext uri="{FF2B5EF4-FFF2-40B4-BE49-F238E27FC236}">
+                <a16:creationId xmlns:a16="http://schemas.microsoft.com/office/drawing/2014/main" id="{D7F31C46-5D27-86D0-C9C7-940CB7AFDDDE}"/>
+              </a:ext>
+            </a:extLst>
+          </p:cNvPr>
+          <p:cNvSpPr/>
+          <p:nvPr/>
+        </p:nvSpPr>
+        <p:spPr>
+          <a:xfrm>
+            <a:off x="5019232" y="2737809"/>
+            <a:ext cx="2245197" cy="489441"/>
+          </a:xfrm>
+          <a:prstGeom prst="rect">
+            <a:avLst/>
+          </a:prstGeom>
+          <a:solidFill>
+            <a:srgbClr val="009E04">
+              <a:alpha val="80000"/>
+            </a:srgbClr>
+          </a:solidFill>
+          <a:ln>
+            <a:solidFill>
+              <a:srgbClr val="00F028"/>
+            </a:solidFill>
+          </a:ln>
+        </p:spPr>
+        <p:style>
+          <a:lnRef idx="2">
+            <a:schemeClr val="accent1">
+              <a:shade val="15000"/>
+            </a:schemeClr>
+          </a:lnRef>
+          <a:fillRef idx="1">
+            <a:schemeClr val="accent1"/>
+          </a:fillRef>
+          <a:effectRef idx="0">
+            <a:schemeClr val="accent1"/>
+          </a:effectRef>
+          <a:fontRef idx="minor">
+            <a:schemeClr val="lt1"/>
+          </a:fontRef>
+        </p:style>
+        <p:txBody>
+          <a:bodyPr rtlCol="0" anchor="ctr"/>
+          <a:lstStyle/>
+          <a:p>
+            <a:pPr algn="ctr"/>
+            <a:r>
+              <a:rPr lang="en-US" altLang="zh-CN" sz="1600" dirty="0" err="1">
+                <a:latin typeface="Hero" panose="00000500000000000000" pitchFamily="2" charset="0"/>
+              </a:rPr>
+              <a:t>SMC.Client</a:t>
+            </a:r>
+            <a:endParaRPr lang="en-US" altLang="zh-CN" sz="1600" dirty="0">
+              <a:latin typeface="Hero" panose="00000500000000000000" pitchFamily="2" charset="0"/>
+            </a:endParaRPr>
+          </a:p>
+        </p:txBody>
+      </p:sp>
+      <p:sp>
+        <p:nvSpPr>
+          <p:cNvPr id="7" name="矩形 6">
+            <a:extLst>
+              <a:ext uri="{FF2B5EF4-FFF2-40B4-BE49-F238E27FC236}">
+                <a16:creationId xmlns:a16="http://schemas.microsoft.com/office/drawing/2014/main" id="{75C90A37-A141-2586-4B2D-2C667EBF0FD9}"/>
+              </a:ext>
+            </a:extLst>
+          </p:cNvPr>
+          <p:cNvSpPr/>
+          <p:nvPr/>
+        </p:nvSpPr>
+        <p:spPr>
+          <a:xfrm>
+            <a:off x="1984691" y="3342507"/>
+            <a:ext cx="803304" cy="333285"/>
+          </a:xfrm>
+          <a:prstGeom prst="rect">
+            <a:avLst/>
+          </a:prstGeom>
+          <a:solidFill>
+            <a:srgbClr val="545454">
+              <a:alpha val="80000"/>
+            </a:srgbClr>
+          </a:solidFill>
+          <a:ln>
+            <a:solidFill>
+              <a:schemeClr val="bg1">
+                <a:lumMod val="65000"/>
+              </a:schemeClr>
+            </a:solidFill>
+          </a:ln>
+        </p:spPr>
+        <p:style>
+          <a:lnRef idx="2">
+            <a:schemeClr val="accent1">
+              <a:shade val="15000"/>
+            </a:schemeClr>
+          </a:lnRef>
+          <a:fillRef idx="1">
+            <a:schemeClr val="accent1"/>
+          </a:fillRef>
+          <a:effectRef idx="0">
+            <a:schemeClr val="accent1"/>
+          </a:effectRef>
+          <a:fontRef idx="minor">
+            <a:schemeClr val="lt1"/>
+          </a:fontRef>
+        </p:style>
+        <p:txBody>
+          <a:bodyPr rtlCol="0" anchor="ctr"/>
+          <a:lstStyle/>
+          <a:p>
+            <a:pPr algn="ctr"/>
+            <a:r>
+              <a:rPr lang="en-US" altLang="zh-CN" sz="1400" dirty="0">
+                <a:latin typeface="Hero" panose="00000500000000000000" pitchFamily="2" charset="0"/>
+              </a:rPr>
+              <a:t>.SMC</a:t>
+            </a:r>
+          </a:p>
+        </p:txBody>
+      </p:sp>
+      <p:sp>
+        <p:nvSpPr>
+          <p:cNvPr id="8" name="矩形 7">
+            <a:extLst>
+              <a:ext uri="{FF2B5EF4-FFF2-40B4-BE49-F238E27FC236}">
+                <a16:creationId xmlns:a16="http://schemas.microsoft.com/office/drawing/2014/main" id="{2EFCC2B6-0CAA-8003-5468-A86F1DA1D25F}"/>
+              </a:ext>
+            </a:extLst>
+          </p:cNvPr>
+          <p:cNvSpPr/>
+          <p:nvPr/>
+        </p:nvSpPr>
+        <p:spPr>
+          <a:xfrm>
+            <a:off x="5030469" y="3338348"/>
+            <a:ext cx="1471301" cy="333285"/>
+          </a:xfrm>
+          <a:prstGeom prst="rect">
+            <a:avLst/>
+          </a:prstGeom>
+          <a:solidFill>
+            <a:srgbClr val="545454">
+              <a:alpha val="80000"/>
+            </a:srgbClr>
+          </a:solidFill>
+          <a:ln>
+            <a:solidFill>
+              <a:schemeClr val="bg1">
+                <a:lumMod val="65000"/>
+              </a:schemeClr>
+            </a:solidFill>
+          </a:ln>
+        </p:spPr>
+        <p:style>
+          <a:lnRef idx="2">
+            <a:schemeClr val="accent1">
+              <a:shade val="15000"/>
+            </a:schemeClr>
+          </a:lnRef>
+          <a:fillRef idx="1">
+            <a:schemeClr val="accent1"/>
+          </a:fillRef>
+          <a:effectRef idx="0">
+            <a:schemeClr val="accent1"/>
+          </a:effectRef>
+          <a:fontRef idx="minor">
+            <a:schemeClr val="lt1"/>
+          </a:fontRef>
+        </p:style>
+        <p:txBody>
+          <a:bodyPr rtlCol="0" anchor="ctr"/>
+          <a:lstStyle/>
+          <a:p>
+            <a:pPr algn="ctr"/>
+            <a:r>
+              <a:rPr lang="en-US" altLang="zh-CN" sz="1400" dirty="0">
+                <a:latin typeface="Hero" panose="00000500000000000000" pitchFamily="2" charset="0"/>
+              </a:rPr>
+              <a:t>.</a:t>
+            </a:r>
+            <a:r>
+              <a:rPr lang="en-US" altLang="zh-CN" sz="1400" dirty="0" err="1">
+                <a:latin typeface="Hero" panose="00000500000000000000" pitchFamily="2" charset="0"/>
+              </a:rPr>
+              <a:t>SMC.Client</a:t>
+            </a:r>
+            <a:endParaRPr lang="en-US" altLang="zh-CN" sz="1400" dirty="0">
+              <a:latin typeface="Hero" panose="00000500000000000000" pitchFamily="2" charset="0"/>
+            </a:endParaRPr>
+          </a:p>
+        </p:txBody>
+      </p:sp>
+      <p:sp>
+        <p:nvSpPr>
+          <p:cNvPr id="10" name="文本框 9">
+            <a:extLst>
+              <a:ext uri="{FF2B5EF4-FFF2-40B4-BE49-F238E27FC236}">
+                <a16:creationId xmlns:a16="http://schemas.microsoft.com/office/drawing/2014/main" id="{EEC846DE-7E74-D662-36AF-2F219254383B}"/>
+              </a:ext>
+            </a:extLst>
+          </p:cNvPr>
+          <p:cNvSpPr txBox="1"/>
+          <p:nvPr/>
+        </p:nvSpPr>
+        <p:spPr>
+          <a:xfrm>
+            <a:off x="2747471" y="3177437"/>
+            <a:ext cx="786213" cy="646331"/>
+          </a:xfrm>
+          <a:prstGeom prst="rect">
+            <a:avLst/>
+          </a:prstGeom>
+          <a:noFill/>
+        </p:spPr>
+        <p:txBody>
+          <a:bodyPr wrap="square" rtlCol="0">
+            <a:spAutoFit/>
+          </a:bodyPr>
+          <a:lstStyle/>
+          <a:p>
+            <a:r>
+              <a:rPr lang="en-US" altLang="zh-CN" sz="3600" dirty="0">
+                <a:solidFill>
+                  <a:schemeClr val="bg1">
+                    <a:lumMod val="65000"/>
+                  </a:schemeClr>
+                </a:solidFill>
+                <a:latin typeface="Javanese Text" panose="02000000000000000000" pitchFamily="2" charset="0"/>
+              </a:rPr>
+              <a:t>{</a:t>
+            </a:r>
+            <a:endParaRPr lang="zh-CN" altLang="en-US" sz="3600" dirty="0">
+              <a:solidFill>
+                <a:schemeClr val="bg1">
+                  <a:lumMod val="65000"/>
+                </a:schemeClr>
+              </a:solidFill>
+              <a:latin typeface="Javanese Text" panose="02000000000000000000" pitchFamily="2" charset="0"/>
+            </a:endParaRPr>
+          </a:p>
+        </p:txBody>
+      </p:sp>
+      <p:sp>
+        <p:nvSpPr>
+          <p:cNvPr id="11" name="文本框 10">
+            <a:extLst>
+              <a:ext uri="{FF2B5EF4-FFF2-40B4-BE49-F238E27FC236}">
+                <a16:creationId xmlns:a16="http://schemas.microsoft.com/office/drawing/2014/main" id="{DF6610EB-8DD9-D87C-94D3-768B3CBC804F}"/>
+              </a:ext>
+            </a:extLst>
+          </p:cNvPr>
+          <p:cNvSpPr txBox="1"/>
+          <p:nvPr/>
+        </p:nvSpPr>
+        <p:spPr>
+          <a:xfrm rot="10800000">
+            <a:off x="4283997" y="3219416"/>
+            <a:ext cx="786213" cy="646331"/>
+          </a:xfrm>
+          <a:prstGeom prst="rect">
+            <a:avLst/>
+          </a:prstGeom>
+          <a:noFill/>
+        </p:spPr>
+        <p:txBody>
+          <a:bodyPr wrap="square" rtlCol="0">
+            <a:spAutoFit/>
+          </a:bodyPr>
+          <a:lstStyle/>
+          <a:p>
+            <a:r>
+              <a:rPr lang="en-US" altLang="zh-CN" sz="3600" dirty="0">
+                <a:solidFill>
+                  <a:schemeClr val="bg1">
+                    <a:lumMod val="65000"/>
+                  </a:schemeClr>
+                </a:solidFill>
+                <a:latin typeface="Javanese Text" panose="02000000000000000000" pitchFamily="2" charset="0"/>
+              </a:rPr>
+              <a:t>{</a:t>
+            </a:r>
+            <a:endParaRPr lang="zh-CN" altLang="en-US" sz="3600" dirty="0">
+              <a:solidFill>
+                <a:schemeClr val="bg1">
+                  <a:lumMod val="65000"/>
+                </a:schemeClr>
+              </a:solidFill>
+              <a:latin typeface="Javanese Text" panose="02000000000000000000" pitchFamily="2" charset="0"/>
+            </a:endParaRPr>
+          </a:p>
+        </p:txBody>
+      </p:sp>
+      <p:sp>
+        <p:nvSpPr>
+          <p:cNvPr id="12" name="文本框 11">
+            <a:extLst>
+              <a:ext uri="{FF2B5EF4-FFF2-40B4-BE49-F238E27FC236}">
+                <a16:creationId xmlns:a16="http://schemas.microsoft.com/office/drawing/2014/main" id="{10463EE7-F122-4A05-748A-E8D66EBBCD8E}"/>
+              </a:ext>
+            </a:extLst>
+          </p:cNvPr>
+          <p:cNvSpPr txBox="1"/>
+          <p:nvPr/>
+        </p:nvSpPr>
+        <p:spPr>
+          <a:xfrm>
+            <a:off x="3003534" y="2971376"/>
+            <a:ext cx="686406" cy="1015663"/>
+          </a:xfrm>
+          <a:prstGeom prst="rect">
+            <a:avLst/>
+          </a:prstGeom>
+          <a:noFill/>
+        </p:spPr>
+        <p:txBody>
+          <a:bodyPr wrap="none" rtlCol="0">
+            <a:spAutoFit/>
+          </a:bodyPr>
+          <a:lstStyle/>
+          <a:p>
+            <a:r>
+              <a:rPr lang="en-US" altLang="zh-CN" sz="1200" dirty="0">
+                <a:latin typeface="Hero" panose="00000500000000000000" pitchFamily="2" charset="0"/>
+              </a:rPr>
+              <a:t>......</a:t>
+            </a:r>
+          </a:p>
+          <a:p>
+            <a:r>
+              <a:rPr lang="en-US" altLang="zh-CN" sz="1200" dirty="0">
+                <a:latin typeface="Hero" panose="00000500000000000000" pitchFamily="2" charset="0"/>
+              </a:rPr>
+              <a:t>……</a:t>
+            </a:r>
+          </a:p>
+          <a:p>
+            <a:r>
+              <a:rPr lang="en-US" altLang="zh-CN" sz="1200" dirty="0">
+                <a:latin typeface="Hero" panose="00000500000000000000" pitchFamily="2" charset="0"/>
+              </a:rPr>
+              <a:t>LOCAL</a:t>
+            </a:r>
+          </a:p>
+          <a:p>
+            <a:r>
+              <a:rPr lang="en-US" altLang="zh-CN" sz="1200" dirty="0">
+                <a:latin typeface="Hero" panose="00000500000000000000" pitchFamily="2" charset="0"/>
+              </a:rPr>
+              <a:t>......</a:t>
+            </a:r>
+          </a:p>
+          <a:p>
+            <a:r>
+              <a:rPr lang="en-US" altLang="zh-CN" sz="1200" dirty="0">
+                <a:latin typeface="Hero" panose="00000500000000000000" pitchFamily="2" charset="0"/>
+              </a:rPr>
+              <a:t>......</a:t>
+            </a:r>
+            <a:endParaRPr lang="zh-CN" altLang="en-US" sz="1200" dirty="0">
+              <a:latin typeface="Hero" panose="00000500000000000000" pitchFamily="2" charset="0"/>
+            </a:endParaRPr>
+          </a:p>
+        </p:txBody>
+      </p:sp>
+      <p:sp>
+        <p:nvSpPr>
+          <p:cNvPr id="13" name="文本框 12">
+            <a:extLst>
+              <a:ext uri="{FF2B5EF4-FFF2-40B4-BE49-F238E27FC236}">
+                <a16:creationId xmlns:a16="http://schemas.microsoft.com/office/drawing/2014/main" id="{278A3087-BB1A-0CA5-FC99-E9F2F78EBD31}"/>
+              </a:ext>
+            </a:extLst>
+          </p:cNvPr>
+          <p:cNvSpPr txBox="1"/>
+          <p:nvPr/>
+        </p:nvSpPr>
+        <p:spPr>
+          <a:xfrm>
+            <a:off x="4028184" y="2970590"/>
+            <a:ext cx="811441" cy="1015663"/>
+          </a:xfrm>
+          <a:prstGeom prst="rect">
+            <a:avLst/>
+          </a:prstGeom>
+          <a:noFill/>
+        </p:spPr>
+        <p:txBody>
+          <a:bodyPr wrap="none" rtlCol="0">
+            <a:spAutoFit/>
+          </a:bodyPr>
+          <a:lstStyle/>
+          <a:p>
+            <a:pPr algn="r"/>
+            <a:r>
+              <a:rPr lang="en-US" altLang="zh-CN" sz="1200" dirty="0">
+                <a:latin typeface="Hero" panose="00000500000000000000" pitchFamily="2" charset="0"/>
+              </a:rPr>
+              <a:t>……</a:t>
+            </a:r>
+          </a:p>
+          <a:p>
+            <a:pPr algn="r"/>
+            <a:r>
+              <a:rPr lang="en-US" altLang="zh-CN" sz="1200" dirty="0">
+                <a:latin typeface="Hero" panose="00000500000000000000" pitchFamily="2" charset="0"/>
+              </a:rPr>
+              <a:t>REMOTE</a:t>
+            </a:r>
+          </a:p>
+          <a:p>
+            <a:pPr algn="r"/>
+            <a:r>
+              <a:rPr lang="en-US" altLang="zh-CN" sz="1200" dirty="0">
+                <a:latin typeface="Hero" panose="00000500000000000000" pitchFamily="2" charset="0"/>
+              </a:rPr>
+              <a:t>LOCAL</a:t>
+            </a:r>
+          </a:p>
+          <a:p>
+            <a:pPr algn="r"/>
+            <a:r>
+              <a:rPr lang="en-US" altLang="zh-CN" sz="1200" dirty="0">
+                <a:latin typeface="Hero" panose="00000500000000000000" pitchFamily="2" charset="0"/>
+              </a:rPr>
+              <a:t>……</a:t>
+            </a:r>
+          </a:p>
+          <a:p>
+            <a:pPr algn="r"/>
+            <a:r>
+              <a:rPr lang="en-US" altLang="zh-CN" sz="1200" dirty="0">
+                <a:latin typeface="Hero" panose="00000500000000000000" pitchFamily="2" charset="0"/>
+              </a:rPr>
+              <a:t>……</a:t>
+            </a:r>
+            <a:endParaRPr lang="zh-CN" altLang="en-US" sz="1200" dirty="0">
+              <a:latin typeface="Hero" panose="00000500000000000000" pitchFamily="2" charset="0"/>
+            </a:endParaRPr>
+          </a:p>
+        </p:txBody>
+      </p:sp>
+      <p:sp>
+        <p:nvSpPr>
+          <p:cNvPr id="14" name="矩形 13">
+            <a:extLst>
+              <a:ext uri="{FF2B5EF4-FFF2-40B4-BE49-F238E27FC236}">
+                <a16:creationId xmlns:a16="http://schemas.microsoft.com/office/drawing/2014/main" id="{F86177C0-C5D7-A3C1-C104-E4F138E3086B}"/>
+              </a:ext>
+            </a:extLst>
+          </p:cNvPr>
+          <p:cNvSpPr/>
+          <p:nvPr/>
+        </p:nvSpPr>
+        <p:spPr>
+          <a:xfrm>
+            <a:off x="580916" y="2380023"/>
+            <a:ext cx="3130220" cy="1935741"/>
+          </a:xfrm>
+          <a:prstGeom prst="rect">
+            <a:avLst/>
+          </a:prstGeom>
+          <a:noFill/>
+          <a:ln w="28575">
+            <a:solidFill>
+              <a:schemeClr val="bg1">
+                <a:lumMod val="75000"/>
+              </a:schemeClr>
+            </a:solidFill>
+          </a:ln>
+        </p:spPr>
+        <p:style>
+          <a:lnRef idx="2">
+            <a:schemeClr val="accent1">
+              <a:shade val="15000"/>
+            </a:schemeClr>
+          </a:lnRef>
+          <a:fillRef idx="1">
+            <a:schemeClr val="accent1"/>
+          </a:fillRef>
+          <a:effectRef idx="0">
+            <a:schemeClr val="accent1"/>
+          </a:effectRef>
+          <a:fontRef idx="minor">
+            <a:schemeClr val="lt1"/>
+          </a:fontRef>
+        </p:style>
+        <p:txBody>
+          <a:bodyPr rtlCol="0" anchor="t"/>
+          <a:lstStyle/>
+          <a:p>
+            <a:pPr algn="ctr"/>
+            <a:r>
+              <a:rPr lang="en-US" altLang="zh-CN" sz="1400" dirty="0">
+                <a:solidFill>
+                  <a:schemeClr val="bg1">
+                    <a:lumMod val="75000"/>
+                  </a:schemeClr>
+                </a:solidFill>
+                <a:latin typeface="Hero" panose="00000500000000000000" pitchFamily="2" charset="0"/>
+              </a:rPr>
+              <a:t>Prim 1</a:t>
+            </a:r>
+          </a:p>
+        </p:txBody>
+      </p:sp>
+      <p:sp>
+        <p:nvSpPr>
+          <p:cNvPr id="15" name="矩形 14">
+            <a:extLst>
+              <a:ext uri="{FF2B5EF4-FFF2-40B4-BE49-F238E27FC236}">
+                <a16:creationId xmlns:a16="http://schemas.microsoft.com/office/drawing/2014/main" id="{D2D1B4E3-C685-4329-9E7B-050BC682E906}"/>
+              </a:ext>
+            </a:extLst>
+          </p:cNvPr>
+          <p:cNvSpPr/>
+          <p:nvPr/>
+        </p:nvSpPr>
+        <p:spPr>
+          <a:xfrm>
+            <a:off x="4057279" y="2380022"/>
+            <a:ext cx="3352189" cy="1935741"/>
+          </a:xfrm>
+          <a:prstGeom prst="rect">
+            <a:avLst/>
+          </a:prstGeom>
+          <a:noFill/>
+          <a:ln w="28575">
+            <a:solidFill>
+              <a:schemeClr val="bg1">
+                <a:lumMod val="75000"/>
+              </a:schemeClr>
+            </a:solidFill>
+          </a:ln>
+        </p:spPr>
+        <p:style>
+          <a:lnRef idx="2">
+            <a:schemeClr val="accent1">
+              <a:shade val="15000"/>
+            </a:schemeClr>
+          </a:lnRef>
+          <a:fillRef idx="1">
+            <a:schemeClr val="accent1"/>
+          </a:fillRef>
+          <a:effectRef idx="0">
+            <a:schemeClr val="accent1"/>
+          </a:effectRef>
+          <a:fontRef idx="minor">
+            <a:schemeClr val="lt1"/>
+          </a:fontRef>
+        </p:style>
+        <p:txBody>
+          <a:bodyPr rtlCol="0" anchor="t"/>
+          <a:lstStyle/>
+          <a:p>
+            <a:pPr algn="ctr"/>
+            <a:r>
+              <a:rPr lang="en-US" altLang="zh-CN" sz="1400" dirty="0">
+                <a:solidFill>
+                  <a:schemeClr val="bg1">
+                    <a:lumMod val="75000"/>
+                  </a:schemeClr>
+                </a:solidFill>
+                <a:latin typeface="Hero" panose="00000500000000000000" pitchFamily="2" charset="0"/>
+              </a:rPr>
+              <a:t>Prim 2</a:t>
+            </a:r>
+          </a:p>
+        </p:txBody>
+      </p:sp>
+      <p:sp>
+        <p:nvSpPr>
+          <p:cNvPr id="16" name="矩形 15">
+            <a:extLst>
+              <a:ext uri="{FF2B5EF4-FFF2-40B4-BE49-F238E27FC236}">
+                <a16:creationId xmlns:a16="http://schemas.microsoft.com/office/drawing/2014/main" id="{6B143033-0060-3C9B-AE6D-5E6E80ACC6F7}"/>
+              </a:ext>
+            </a:extLst>
+          </p:cNvPr>
+          <p:cNvSpPr/>
+          <p:nvPr/>
+        </p:nvSpPr>
+        <p:spPr>
+          <a:xfrm>
+            <a:off x="4980035" y="4789191"/>
+            <a:ext cx="2284395" cy="489441"/>
+          </a:xfrm>
+          <a:prstGeom prst="rect">
+            <a:avLst/>
+          </a:prstGeom>
+          <a:solidFill>
+            <a:srgbClr val="009E04">
+              <a:alpha val="80000"/>
+            </a:srgbClr>
+          </a:solidFill>
+          <a:ln>
+            <a:solidFill>
+              <a:srgbClr val="00F028"/>
+            </a:solidFill>
+          </a:ln>
+        </p:spPr>
+        <p:style>
+          <a:lnRef idx="2">
+            <a:schemeClr val="accent1">
+              <a:shade val="15000"/>
+            </a:schemeClr>
+          </a:lnRef>
+          <a:fillRef idx="1">
+            <a:schemeClr val="accent1"/>
+          </a:fillRef>
+          <a:effectRef idx="0">
+            <a:schemeClr val="accent1"/>
+          </a:effectRef>
+          <a:fontRef idx="minor">
+            <a:schemeClr val="lt1"/>
+          </a:fontRef>
+        </p:style>
+        <p:txBody>
+          <a:bodyPr rtlCol="0" anchor="ctr"/>
+          <a:lstStyle/>
+          <a:p>
+            <a:pPr algn="ctr"/>
+            <a:r>
+              <a:rPr lang="en-US" altLang="zh-CN" sz="1600" dirty="0" err="1">
+                <a:latin typeface="Hero" panose="00000500000000000000" pitchFamily="2" charset="0"/>
+              </a:rPr>
+              <a:t>SMC.Client</a:t>
+            </a:r>
+            <a:endParaRPr lang="en-US" altLang="zh-CN" sz="1600" dirty="0">
+              <a:latin typeface="Hero" panose="00000500000000000000" pitchFamily="2" charset="0"/>
+            </a:endParaRPr>
+          </a:p>
+        </p:txBody>
+      </p:sp>
+      <p:sp>
+        <p:nvSpPr>
+          <p:cNvPr id="17" name="矩形 16">
+            <a:extLst>
+              <a:ext uri="{FF2B5EF4-FFF2-40B4-BE49-F238E27FC236}">
+                <a16:creationId xmlns:a16="http://schemas.microsoft.com/office/drawing/2014/main" id="{F9DD5490-B33F-104E-4D1D-F05655D149E3}"/>
+              </a:ext>
+            </a:extLst>
+          </p:cNvPr>
+          <p:cNvSpPr/>
+          <p:nvPr/>
+        </p:nvSpPr>
+        <p:spPr>
+          <a:xfrm>
+            <a:off x="4978703" y="5381897"/>
+            <a:ext cx="1471301" cy="333285"/>
+          </a:xfrm>
+          <a:prstGeom prst="rect">
+            <a:avLst/>
+          </a:prstGeom>
+          <a:solidFill>
+            <a:srgbClr val="545454">
+              <a:alpha val="80000"/>
+            </a:srgbClr>
+          </a:solidFill>
+          <a:ln>
+            <a:solidFill>
+              <a:schemeClr val="bg1">
+                <a:lumMod val="65000"/>
+              </a:schemeClr>
+            </a:solidFill>
+          </a:ln>
+        </p:spPr>
+        <p:style>
+          <a:lnRef idx="2">
+            <a:schemeClr val="accent1">
+              <a:shade val="15000"/>
+            </a:schemeClr>
+          </a:lnRef>
+          <a:fillRef idx="1">
+            <a:schemeClr val="accent1"/>
+          </a:fillRef>
+          <a:effectRef idx="0">
+            <a:schemeClr val="accent1"/>
+          </a:effectRef>
+          <a:fontRef idx="minor">
+            <a:schemeClr val="lt1"/>
+          </a:fontRef>
+        </p:style>
+        <p:txBody>
+          <a:bodyPr rtlCol="0" anchor="ctr"/>
+          <a:lstStyle/>
+          <a:p>
+            <a:pPr algn="ctr"/>
+            <a:r>
+              <a:rPr lang="en-US" altLang="zh-CN" sz="1400" dirty="0">
+                <a:latin typeface="Hero" panose="00000500000000000000" pitchFamily="2" charset="0"/>
+              </a:rPr>
+              <a:t>.</a:t>
+            </a:r>
+            <a:r>
+              <a:rPr lang="en-US" altLang="zh-CN" sz="1400" dirty="0" err="1">
+                <a:latin typeface="Hero" panose="00000500000000000000" pitchFamily="2" charset="0"/>
+              </a:rPr>
+              <a:t>SMC.Client</a:t>
+            </a:r>
+            <a:endParaRPr lang="en-US" altLang="zh-CN" sz="1400" dirty="0">
+              <a:latin typeface="Hero" panose="00000500000000000000" pitchFamily="2" charset="0"/>
+            </a:endParaRPr>
+          </a:p>
+        </p:txBody>
+      </p:sp>
+      <p:sp>
+        <p:nvSpPr>
+          <p:cNvPr id="18" name="文本框 17">
+            <a:extLst>
+              <a:ext uri="{FF2B5EF4-FFF2-40B4-BE49-F238E27FC236}">
+                <a16:creationId xmlns:a16="http://schemas.microsoft.com/office/drawing/2014/main" id="{BC45816B-E599-823C-2DA8-85141387A4C4}"/>
+              </a:ext>
+            </a:extLst>
+          </p:cNvPr>
+          <p:cNvSpPr txBox="1"/>
+          <p:nvPr/>
+        </p:nvSpPr>
+        <p:spPr>
+          <a:xfrm rot="10800000">
+            <a:off x="4232231" y="5262965"/>
+            <a:ext cx="786213" cy="646331"/>
+          </a:xfrm>
+          <a:prstGeom prst="rect">
+            <a:avLst/>
+          </a:prstGeom>
+          <a:noFill/>
+        </p:spPr>
+        <p:txBody>
+          <a:bodyPr wrap="square" rtlCol="0">
+            <a:spAutoFit/>
+          </a:bodyPr>
+          <a:lstStyle/>
+          <a:p>
+            <a:r>
+              <a:rPr lang="en-US" altLang="zh-CN" sz="3600" dirty="0">
+                <a:solidFill>
+                  <a:schemeClr val="bg1">
+                    <a:lumMod val="65000"/>
+                  </a:schemeClr>
+                </a:solidFill>
+                <a:latin typeface="Javanese Text" panose="02000000000000000000" pitchFamily="2" charset="0"/>
+              </a:rPr>
+              <a:t>{</a:t>
+            </a:r>
+            <a:endParaRPr lang="zh-CN" altLang="en-US" sz="3600" dirty="0">
+              <a:solidFill>
+                <a:schemeClr val="bg1">
+                  <a:lumMod val="65000"/>
+                </a:schemeClr>
+              </a:solidFill>
+              <a:latin typeface="Javanese Text" panose="02000000000000000000" pitchFamily="2" charset="0"/>
+            </a:endParaRPr>
+          </a:p>
+        </p:txBody>
+      </p:sp>
+      <p:sp>
+        <p:nvSpPr>
+          <p:cNvPr id="19" name="文本框 18">
+            <a:extLst>
+              <a:ext uri="{FF2B5EF4-FFF2-40B4-BE49-F238E27FC236}">
+                <a16:creationId xmlns:a16="http://schemas.microsoft.com/office/drawing/2014/main" id="{2E70DD71-2FA5-A5F6-2EE3-1A259C51DA7E}"/>
+              </a:ext>
+            </a:extLst>
+          </p:cNvPr>
+          <p:cNvSpPr txBox="1"/>
+          <p:nvPr/>
+        </p:nvSpPr>
+        <p:spPr>
+          <a:xfrm>
+            <a:off x="4101453" y="5014139"/>
+            <a:ext cx="686406" cy="1015663"/>
+          </a:xfrm>
+          <a:prstGeom prst="rect">
+            <a:avLst/>
+          </a:prstGeom>
+          <a:noFill/>
+        </p:spPr>
+        <p:txBody>
+          <a:bodyPr wrap="none" rtlCol="0">
+            <a:spAutoFit/>
+          </a:bodyPr>
+          <a:lstStyle/>
+          <a:p>
+            <a:pPr algn="r"/>
+            <a:r>
+              <a:rPr lang="en-US" altLang="zh-CN" sz="1200" dirty="0">
+                <a:latin typeface="Hero" panose="00000500000000000000" pitchFamily="2" charset="0"/>
+              </a:rPr>
+              <a:t>……</a:t>
+            </a:r>
+          </a:p>
+          <a:p>
+            <a:pPr algn="r"/>
+            <a:r>
+              <a:rPr lang="en-US" altLang="zh-CN" sz="1200" dirty="0">
+                <a:latin typeface="Hero" panose="00000500000000000000" pitchFamily="2" charset="0"/>
+              </a:rPr>
+              <a:t>……</a:t>
+            </a:r>
+          </a:p>
+          <a:p>
+            <a:pPr algn="r"/>
+            <a:r>
+              <a:rPr lang="en-US" altLang="zh-CN" sz="1200" dirty="0">
+                <a:latin typeface="Hero" panose="00000500000000000000" pitchFamily="2" charset="0"/>
+              </a:rPr>
+              <a:t>LOCAL</a:t>
+            </a:r>
+          </a:p>
+          <a:p>
+            <a:pPr algn="r"/>
+            <a:r>
+              <a:rPr lang="en-US" altLang="zh-CN" sz="1200" dirty="0">
+                <a:latin typeface="Hero" panose="00000500000000000000" pitchFamily="2" charset="0"/>
+              </a:rPr>
+              <a:t>……</a:t>
+            </a:r>
+          </a:p>
+          <a:p>
+            <a:pPr algn="r"/>
+            <a:r>
+              <a:rPr lang="en-US" altLang="zh-CN" sz="1200" dirty="0">
+                <a:latin typeface="Hero" panose="00000500000000000000" pitchFamily="2" charset="0"/>
+              </a:rPr>
+              <a:t>……</a:t>
+            </a:r>
+            <a:endParaRPr lang="zh-CN" altLang="en-US" sz="1200" dirty="0">
+              <a:latin typeface="Hero" panose="00000500000000000000" pitchFamily="2" charset="0"/>
+            </a:endParaRPr>
+          </a:p>
+        </p:txBody>
+      </p:sp>
+      <p:sp>
+        <p:nvSpPr>
+          <p:cNvPr id="21" name="矩形 20">
+            <a:extLst>
+              <a:ext uri="{FF2B5EF4-FFF2-40B4-BE49-F238E27FC236}">
+                <a16:creationId xmlns:a16="http://schemas.microsoft.com/office/drawing/2014/main" id="{CC0F7439-8484-3CA2-DC44-9F38A283724F}"/>
+              </a:ext>
+            </a:extLst>
+          </p:cNvPr>
+          <p:cNvSpPr/>
+          <p:nvPr/>
+        </p:nvSpPr>
+        <p:spPr>
+          <a:xfrm>
+            <a:off x="733499" y="4785700"/>
+            <a:ext cx="2284395" cy="489441"/>
+          </a:xfrm>
+          <a:prstGeom prst="rect">
+            <a:avLst/>
+          </a:prstGeom>
+          <a:solidFill>
+            <a:srgbClr val="00759E">
+              <a:alpha val="80000"/>
+            </a:srgbClr>
+          </a:solidFill>
+          <a:ln>
+            <a:solidFill>
+              <a:srgbClr val="00B0F0"/>
+            </a:solidFill>
+          </a:ln>
+        </p:spPr>
+        <p:style>
+          <a:lnRef idx="2">
+            <a:schemeClr val="accent1">
+              <a:shade val="15000"/>
+            </a:schemeClr>
+          </a:lnRef>
+          <a:fillRef idx="1">
+            <a:schemeClr val="accent1"/>
+          </a:fillRef>
+          <a:effectRef idx="0">
+            <a:schemeClr val="accent1"/>
+          </a:effectRef>
+          <a:fontRef idx="minor">
+            <a:schemeClr val="lt1"/>
+          </a:fontRef>
+        </p:style>
+        <p:txBody>
+          <a:bodyPr rtlCol="0" anchor="ctr"/>
+          <a:lstStyle/>
+          <a:p>
+            <a:pPr algn="ctr"/>
+            <a:r>
+              <a:rPr lang="en-US" altLang="zh-CN" sz="1600" dirty="0">
+                <a:latin typeface="Hero" panose="00000500000000000000" pitchFamily="2" charset="0"/>
+              </a:rPr>
+              <a:t>SMC.KERNEL</a:t>
+            </a:r>
+          </a:p>
+        </p:txBody>
+      </p:sp>
+      <p:sp>
+        <p:nvSpPr>
+          <p:cNvPr id="22" name="矩形 21">
+            <a:extLst>
+              <a:ext uri="{FF2B5EF4-FFF2-40B4-BE49-F238E27FC236}">
+                <a16:creationId xmlns:a16="http://schemas.microsoft.com/office/drawing/2014/main" id="{75E45B83-2E13-8BB5-CABC-EE735C9DAD23}"/>
+              </a:ext>
+            </a:extLst>
+          </p:cNvPr>
+          <p:cNvSpPr/>
+          <p:nvPr/>
+        </p:nvSpPr>
+        <p:spPr>
+          <a:xfrm>
+            <a:off x="2214590" y="5386055"/>
+            <a:ext cx="803304" cy="333285"/>
+          </a:xfrm>
+          <a:prstGeom prst="rect">
+            <a:avLst/>
+          </a:prstGeom>
+          <a:solidFill>
+            <a:srgbClr val="545454">
+              <a:alpha val="80000"/>
+            </a:srgbClr>
+          </a:solidFill>
+          <a:ln>
+            <a:solidFill>
+              <a:schemeClr val="bg1">
+                <a:lumMod val="65000"/>
+              </a:schemeClr>
+            </a:solidFill>
+          </a:ln>
+        </p:spPr>
+        <p:style>
+          <a:lnRef idx="2">
+            <a:schemeClr val="accent1">
+              <a:shade val="15000"/>
+            </a:schemeClr>
+          </a:lnRef>
+          <a:fillRef idx="1">
+            <a:schemeClr val="accent1"/>
+          </a:fillRef>
+          <a:effectRef idx="0">
+            <a:schemeClr val="accent1"/>
+          </a:effectRef>
+          <a:fontRef idx="minor">
+            <a:schemeClr val="lt1"/>
+          </a:fontRef>
+        </p:style>
+        <p:txBody>
+          <a:bodyPr rtlCol="0" anchor="ctr"/>
+          <a:lstStyle/>
+          <a:p>
+            <a:pPr algn="ctr"/>
+            <a:r>
+              <a:rPr lang="en-US" altLang="zh-CN" sz="1400" dirty="0">
+                <a:latin typeface="Hero" panose="00000500000000000000" pitchFamily="2" charset="0"/>
+              </a:rPr>
+              <a:t>.SMC</a:t>
+            </a:r>
+          </a:p>
+        </p:txBody>
+      </p:sp>
+      <p:sp>
+        <p:nvSpPr>
+          <p:cNvPr id="23" name="文本框 22">
+            <a:extLst>
+              <a:ext uri="{FF2B5EF4-FFF2-40B4-BE49-F238E27FC236}">
+                <a16:creationId xmlns:a16="http://schemas.microsoft.com/office/drawing/2014/main" id="{D743DBB0-DEE7-8E1E-6CD0-5804E97E573A}"/>
+              </a:ext>
+            </a:extLst>
+          </p:cNvPr>
+          <p:cNvSpPr txBox="1"/>
+          <p:nvPr/>
+        </p:nvSpPr>
+        <p:spPr>
+          <a:xfrm>
+            <a:off x="2977370" y="5220985"/>
+            <a:ext cx="786213" cy="646331"/>
+          </a:xfrm>
+          <a:prstGeom prst="rect">
+            <a:avLst/>
+          </a:prstGeom>
+          <a:noFill/>
+        </p:spPr>
+        <p:txBody>
+          <a:bodyPr wrap="square" rtlCol="0">
+            <a:spAutoFit/>
+          </a:bodyPr>
+          <a:lstStyle/>
+          <a:p>
+            <a:r>
+              <a:rPr lang="en-US" altLang="zh-CN" sz="3600" dirty="0">
+                <a:solidFill>
+                  <a:schemeClr val="bg1">
+                    <a:lumMod val="65000"/>
+                  </a:schemeClr>
+                </a:solidFill>
+                <a:latin typeface="Javanese Text" panose="02000000000000000000" pitchFamily="2" charset="0"/>
+              </a:rPr>
+              <a:t>{</a:t>
+            </a:r>
+            <a:endParaRPr lang="zh-CN" altLang="en-US" sz="3600" dirty="0">
+              <a:solidFill>
+                <a:schemeClr val="bg1">
+                  <a:lumMod val="65000"/>
+                </a:schemeClr>
+              </a:solidFill>
+              <a:latin typeface="Javanese Text" panose="02000000000000000000" pitchFamily="2" charset="0"/>
+            </a:endParaRPr>
+          </a:p>
+        </p:txBody>
+      </p:sp>
+      <p:sp>
+        <p:nvSpPr>
+          <p:cNvPr id="24" name="文本框 23">
+            <a:extLst>
+              <a:ext uri="{FF2B5EF4-FFF2-40B4-BE49-F238E27FC236}">
+                <a16:creationId xmlns:a16="http://schemas.microsoft.com/office/drawing/2014/main" id="{5D4A7190-388F-EAB6-C507-3DA23B12C94E}"/>
+              </a:ext>
+            </a:extLst>
+          </p:cNvPr>
+          <p:cNvSpPr txBox="1"/>
+          <p:nvPr/>
+        </p:nvSpPr>
+        <p:spPr>
+          <a:xfrm>
+            <a:off x="3233433" y="5014924"/>
+            <a:ext cx="686406" cy="1015663"/>
+          </a:xfrm>
+          <a:prstGeom prst="rect">
+            <a:avLst/>
+          </a:prstGeom>
+          <a:noFill/>
+        </p:spPr>
+        <p:txBody>
+          <a:bodyPr wrap="none" rtlCol="0">
+            <a:spAutoFit/>
+          </a:bodyPr>
+          <a:lstStyle/>
+          <a:p>
+            <a:r>
+              <a:rPr lang="en-US" altLang="zh-CN" sz="1200" dirty="0">
+                <a:latin typeface="Hero" panose="00000500000000000000" pitchFamily="2" charset="0"/>
+              </a:rPr>
+              <a:t>......</a:t>
+            </a:r>
+          </a:p>
+          <a:p>
+            <a:r>
+              <a:rPr lang="en-US" altLang="zh-CN" sz="1200" dirty="0">
+                <a:latin typeface="Hero" panose="00000500000000000000" pitchFamily="2" charset="0"/>
+              </a:rPr>
+              <a:t>……</a:t>
+            </a:r>
+          </a:p>
+          <a:p>
+            <a:r>
+              <a:rPr lang="en-US" altLang="zh-CN" sz="1200" dirty="0">
+                <a:latin typeface="Hero" panose="00000500000000000000" pitchFamily="2" charset="0"/>
+              </a:rPr>
+              <a:t>LOCAL</a:t>
+            </a:r>
+          </a:p>
+          <a:p>
+            <a:r>
+              <a:rPr lang="en-US" altLang="zh-CN" sz="1200" dirty="0">
+                <a:latin typeface="Hero" panose="00000500000000000000" pitchFamily="2" charset="0"/>
+              </a:rPr>
+              <a:t>......</a:t>
+            </a:r>
+          </a:p>
+          <a:p>
+            <a:r>
+              <a:rPr lang="en-US" altLang="zh-CN" sz="1200" dirty="0">
+                <a:latin typeface="Hero" panose="00000500000000000000" pitchFamily="2" charset="0"/>
+              </a:rPr>
+              <a:t>......</a:t>
+            </a:r>
+            <a:endParaRPr lang="zh-CN" altLang="en-US" sz="1200" dirty="0">
+              <a:latin typeface="Hero" panose="00000500000000000000" pitchFamily="2" charset="0"/>
+            </a:endParaRPr>
+          </a:p>
+        </p:txBody>
+      </p:sp>
+      <p:sp>
+        <p:nvSpPr>
+          <p:cNvPr id="25" name="矩形 24">
+            <a:extLst>
+              <a:ext uri="{FF2B5EF4-FFF2-40B4-BE49-F238E27FC236}">
+                <a16:creationId xmlns:a16="http://schemas.microsoft.com/office/drawing/2014/main" id="{FB4418DA-F0CD-8491-FD5D-4CC5C69D3FA6}"/>
+              </a:ext>
+            </a:extLst>
+          </p:cNvPr>
+          <p:cNvSpPr/>
+          <p:nvPr/>
+        </p:nvSpPr>
+        <p:spPr>
+          <a:xfrm>
+            <a:off x="580916" y="4521824"/>
+            <a:ext cx="6828552" cy="1615025"/>
+          </a:xfrm>
+          <a:prstGeom prst="rect">
+            <a:avLst/>
+          </a:prstGeom>
+          <a:noFill/>
+          <a:ln w="28575">
+            <a:solidFill>
+              <a:schemeClr val="bg1">
+                <a:lumMod val="75000"/>
+              </a:schemeClr>
+            </a:solidFill>
+          </a:ln>
+        </p:spPr>
+        <p:style>
+          <a:lnRef idx="2">
+            <a:schemeClr val="accent1">
+              <a:shade val="15000"/>
+            </a:schemeClr>
+          </a:lnRef>
+          <a:fillRef idx="1">
+            <a:schemeClr val="accent1"/>
+          </a:fillRef>
+          <a:effectRef idx="0">
+            <a:schemeClr val="accent1"/>
+          </a:effectRef>
+          <a:fontRef idx="minor">
+            <a:schemeClr val="lt1"/>
+          </a:fontRef>
+        </p:style>
+        <p:txBody>
+          <a:bodyPr rtlCol="0" anchor="t"/>
+          <a:lstStyle/>
+          <a:p>
+            <a:pPr algn="ctr"/>
+            <a:r>
+              <a:rPr lang="en-US" altLang="zh-CN" sz="1400" dirty="0">
+                <a:solidFill>
+                  <a:schemeClr val="bg1">
+                    <a:lumMod val="75000"/>
+                  </a:schemeClr>
+                </a:solidFill>
+                <a:latin typeface="Hero" panose="00000500000000000000" pitchFamily="2" charset="0"/>
+              </a:rPr>
+              <a:t>Prim 3</a:t>
+            </a:r>
+          </a:p>
+        </p:txBody>
+      </p:sp>
+      <p:sp>
+        <p:nvSpPr>
+          <p:cNvPr id="49" name="文本框 48">
+            <a:extLst>
+              <a:ext uri="{FF2B5EF4-FFF2-40B4-BE49-F238E27FC236}">
+                <a16:creationId xmlns:a16="http://schemas.microsoft.com/office/drawing/2014/main" id="{9D011E92-C4FC-B34A-3864-A43FF0B4829C}"/>
+              </a:ext>
+            </a:extLst>
+          </p:cNvPr>
+          <p:cNvSpPr txBox="1"/>
+          <p:nvPr/>
+        </p:nvSpPr>
+        <p:spPr>
+          <a:xfrm>
+            <a:off x="3722240" y="3279990"/>
+            <a:ext cx="338554" cy="369332"/>
+          </a:xfrm>
+          <a:prstGeom prst="rect">
+            <a:avLst/>
+          </a:prstGeom>
+          <a:noFill/>
+        </p:spPr>
+        <p:txBody>
+          <a:bodyPr wrap="none" rtlCol="0">
+            <a:spAutoFit/>
+          </a:bodyPr>
+          <a:lstStyle/>
+          <a:p>
+            <a:r>
+              <a:rPr lang="en-US" altLang="zh-CN" dirty="0">
+                <a:solidFill>
+                  <a:srgbClr val="00B0F0"/>
+                </a:solidFill>
+              </a:rPr>
+              <a:t>=</a:t>
+            </a:r>
+            <a:endParaRPr lang="zh-CN" altLang="en-US" dirty="0">
+              <a:solidFill>
+                <a:srgbClr val="00B0F0"/>
+              </a:solidFill>
+            </a:endParaRPr>
+          </a:p>
+        </p:txBody>
+      </p:sp>
+      <p:sp>
+        <p:nvSpPr>
+          <p:cNvPr id="50" name="文本框 49">
+            <a:extLst>
+              <a:ext uri="{FF2B5EF4-FFF2-40B4-BE49-F238E27FC236}">
+                <a16:creationId xmlns:a16="http://schemas.microsoft.com/office/drawing/2014/main" id="{9DCF4346-0C90-A608-CB7B-3571472F96D3}"/>
+              </a:ext>
+            </a:extLst>
+          </p:cNvPr>
+          <p:cNvSpPr txBox="1"/>
+          <p:nvPr/>
+        </p:nvSpPr>
+        <p:spPr>
+          <a:xfrm>
+            <a:off x="3828288" y="5337304"/>
+            <a:ext cx="338554" cy="369332"/>
+          </a:xfrm>
+          <a:prstGeom prst="rect">
+            <a:avLst/>
+          </a:prstGeom>
+          <a:noFill/>
+        </p:spPr>
+        <p:txBody>
+          <a:bodyPr wrap="none" rtlCol="0">
+            <a:spAutoFit/>
+          </a:bodyPr>
+          <a:lstStyle/>
+          <a:p>
+            <a:r>
+              <a:rPr lang="en-US" altLang="zh-CN" dirty="0">
+                <a:solidFill>
+                  <a:srgbClr val="00B0F0"/>
+                </a:solidFill>
+              </a:rPr>
+              <a:t>=</a:t>
+            </a:r>
+            <a:endParaRPr lang="zh-CN" altLang="en-US" dirty="0">
+              <a:solidFill>
+                <a:srgbClr val="00B0F0"/>
+              </a:solidFill>
+            </a:endParaRPr>
+          </a:p>
+        </p:txBody>
+      </p:sp>
+      <p:sp>
+        <p:nvSpPr>
+          <p:cNvPr id="56" name="矩形 55">
+            <a:extLst>
+              <a:ext uri="{FF2B5EF4-FFF2-40B4-BE49-F238E27FC236}">
+                <a16:creationId xmlns:a16="http://schemas.microsoft.com/office/drawing/2014/main" id="{B5D80331-74D6-1510-2EE0-6CC58310A023}"/>
+              </a:ext>
+            </a:extLst>
+          </p:cNvPr>
+          <p:cNvSpPr/>
+          <p:nvPr/>
+        </p:nvSpPr>
+        <p:spPr>
+          <a:xfrm>
+            <a:off x="371031" y="37947"/>
+            <a:ext cx="2964249" cy="1794563"/>
+          </a:xfrm>
+          <a:prstGeom prst="rect">
+            <a:avLst/>
+          </a:prstGeom>
+          <a:solidFill>
+            <a:schemeClr val="bg1">
+              <a:alpha val="80000"/>
+            </a:schemeClr>
+          </a:solidFill>
+          <a:ln w="28575">
+            <a:solidFill>
+              <a:schemeClr val="bg1">
+                <a:lumMod val="50000"/>
+              </a:schemeClr>
+            </a:solidFill>
+          </a:ln>
+        </p:spPr>
+        <p:style>
+          <a:lnRef idx="2">
+            <a:schemeClr val="accent1">
+              <a:shade val="15000"/>
+            </a:schemeClr>
+          </a:lnRef>
+          <a:fillRef idx="1">
+            <a:schemeClr val="accent1"/>
+          </a:fillRef>
+          <a:effectRef idx="0">
+            <a:schemeClr val="accent1"/>
+          </a:effectRef>
+          <a:fontRef idx="minor">
+            <a:schemeClr val="lt1"/>
+          </a:fontRef>
+        </p:style>
+        <p:txBody>
+          <a:bodyPr rtlCol="0" anchor="t"/>
+          <a:lstStyle/>
+          <a:p>
+            <a:r>
+              <a:rPr lang="en-US" altLang="zh-CN" sz="1200" dirty="0">
+                <a:solidFill>
+                  <a:schemeClr val="bg1">
+                    <a:lumMod val="50000"/>
+                  </a:schemeClr>
+                </a:solidFill>
+                <a:latin typeface="Hero" panose="00000500000000000000" pitchFamily="2" charset="0"/>
+              </a:rPr>
+              <a:t>Object / </a:t>
+            </a:r>
+            <a:r>
+              <a:rPr lang="en-US" altLang="zh-CN" sz="1200" dirty="0" err="1">
+                <a:solidFill>
+                  <a:schemeClr val="bg1">
+                    <a:lumMod val="50000"/>
+                  </a:schemeClr>
+                </a:solidFill>
+                <a:latin typeface="Hero" panose="00000500000000000000" pitchFamily="2" charset="0"/>
+              </a:rPr>
+              <a:t>Linkset</a:t>
+            </a:r>
+            <a:r>
+              <a:rPr lang="en-US" altLang="zh-CN" sz="1200" dirty="0">
+                <a:solidFill>
+                  <a:schemeClr val="bg1">
+                    <a:lumMod val="50000"/>
+                  </a:schemeClr>
+                </a:solidFill>
+                <a:latin typeface="Hero" panose="00000500000000000000" pitchFamily="2" charset="0"/>
+              </a:rPr>
+              <a:t> (Control)</a:t>
+            </a:r>
+          </a:p>
+        </p:txBody>
+      </p:sp>
+      <p:sp>
+        <p:nvSpPr>
+          <p:cNvPr id="57" name="矩形 56">
+            <a:extLst>
+              <a:ext uri="{FF2B5EF4-FFF2-40B4-BE49-F238E27FC236}">
+                <a16:creationId xmlns:a16="http://schemas.microsoft.com/office/drawing/2014/main" id="{BF422180-8C83-3A7B-60B9-540DE5B59850}"/>
+              </a:ext>
+            </a:extLst>
+          </p:cNvPr>
+          <p:cNvSpPr/>
+          <p:nvPr/>
+        </p:nvSpPr>
+        <p:spPr>
+          <a:xfrm>
+            <a:off x="615756" y="397526"/>
+            <a:ext cx="1726251" cy="504203"/>
+          </a:xfrm>
+          <a:prstGeom prst="rect">
+            <a:avLst/>
+          </a:prstGeom>
+          <a:solidFill>
+            <a:srgbClr val="00759E">
+              <a:alpha val="80000"/>
+            </a:srgbClr>
+          </a:solidFill>
+          <a:ln>
+            <a:solidFill>
+              <a:srgbClr val="00B0F0"/>
+            </a:solidFill>
+          </a:ln>
+        </p:spPr>
+        <p:style>
+          <a:lnRef idx="2">
+            <a:schemeClr val="accent1">
+              <a:shade val="15000"/>
+            </a:schemeClr>
+          </a:lnRef>
+          <a:fillRef idx="1">
+            <a:schemeClr val="accent1"/>
+          </a:fillRef>
+          <a:effectRef idx="0">
+            <a:schemeClr val="accent1"/>
+          </a:effectRef>
+          <a:fontRef idx="minor">
+            <a:schemeClr val="lt1"/>
+          </a:fontRef>
+        </p:style>
+        <p:txBody>
+          <a:bodyPr rtlCol="0" anchor="ctr"/>
+          <a:lstStyle/>
+          <a:p>
+            <a:pPr algn="ctr"/>
+            <a:r>
+              <a:rPr lang="en-US" altLang="zh-CN" sz="1600" dirty="0">
+                <a:latin typeface="Hero" panose="00000500000000000000" pitchFamily="2" charset="0"/>
+              </a:rPr>
+              <a:t>SMC.KERNEL</a:t>
+            </a:r>
+          </a:p>
+        </p:txBody>
+      </p:sp>
+      <p:sp>
+        <p:nvSpPr>
+          <p:cNvPr id="58" name="矩形 57">
+            <a:extLst>
+              <a:ext uri="{FF2B5EF4-FFF2-40B4-BE49-F238E27FC236}">
+                <a16:creationId xmlns:a16="http://schemas.microsoft.com/office/drawing/2014/main" id="{6D65802B-A9C1-9642-43DF-E67ADCCD5817}"/>
+              </a:ext>
+            </a:extLst>
+          </p:cNvPr>
+          <p:cNvSpPr/>
+          <p:nvPr/>
+        </p:nvSpPr>
+        <p:spPr>
+          <a:xfrm>
+            <a:off x="1504997" y="1020659"/>
+            <a:ext cx="803304" cy="333285"/>
+          </a:xfrm>
+          <a:prstGeom prst="rect">
+            <a:avLst/>
+          </a:prstGeom>
+          <a:solidFill>
+            <a:srgbClr val="545454">
+              <a:alpha val="80000"/>
+            </a:srgbClr>
+          </a:solidFill>
+          <a:ln>
+            <a:solidFill>
+              <a:schemeClr val="bg1">
+                <a:lumMod val="65000"/>
+              </a:schemeClr>
+            </a:solidFill>
+          </a:ln>
+        </p:spPr>
+        <p:style>
+          <a:lnRef idx="2">
+            <a:schemeClr val="accent1">
+              <a:shade val="15000"/>
+            </a:schemeClr>
+          </a:lnRef>
+          <a:fillRef idx="1">
+            <a:schemeClr val="accent1"/>
+          </a:fillRef>
+          <a:effectRef idx="0">
+            <a:schemeClr val="accent1"/>
+          </a:effectRef>
+          <a:fontRef idx="minor">
+            <a:schemeClr val="lt1"/>
+          </a:fontRef>
+        </p:style>
+        <p:txBody>
+          <a:bodyPr rtlCol="0" anchor="ctr"/>
+          <a:lstStyle/>
+          <a:p>
+            <a:pPr algn="ctr"/>
+            <a:r>
+              <a:rPr lang="en-US" altLang="zh-CN" sz="1400" dirty="0">
+                <a:latin typeface="Hero" panose="00000500000000000000" pitchFamily="2" charset="0"/>
+              </a:rPr>
+              <a:t>.SMC</a:t>
+            </a:r>
+          </a:p>
+        </p:txBody>
+      </p:sp>
+      <p:sp>
+        <p:nvSpPr>
+          <p:cNvPr id="59" name="文本框 58">
+            <a:extLst>
+              <a:ext uri="{FF2B5EF4-FFF2-40B4-BE49-F238E27FC236}">
+                <a16:creationId xmlns:a16="http://schemas.microsoft.com/office/drawing/2014/main" id="{E675BC50-03E3-19B9-18A3-EA36F5DAF6D2}"/>
+              </a:ext>
+            </a:extLst>
+          </p:cNvPr>
+          <p:cNvSpPr txBox="1"/>
+          <p:nvPr/>
+        </p:nvSpPr>
+        <p:spPr>
+          <a:xfrm>
+            <a:off x="2267777" y="855589"/>
+            <a:ext cx="786213" cy="646331"/>
+          </a:xfrm>
+          <a:prstGeom prst="rect">
+            <a:avLst/>
+          </a:prstGeom>
+          <a:noFill/>
+        </p:spPr>
+        <p:txBody>
+          <a:bodyPr wrap="square" rtlCol="0">
+            <a:spAutoFit/>
+          </a:bodyPr>
+          <a:lstStyle/>
+          <a:p>
+            <a:r>
+              <a:rPr lang="en-US" altLang="zh-CN" sz="3600" dirty="0">
+                <a:solidFill>
+                  <a:schemeClr val="bg1">
+                    <a:lumMod val="65000"/>
+                  </a:schemeClr>
+                </a:solidFill>
+                <a:latin typeface="Javanese Text" panose="02000000000000000000" pitchFamily="2" charset="0"/>
+              </a:rPr>
+              <a:t>{</a:t>
+            </a:r>
+            <a:endParaRPr lang="zh-CN" altLang="en-US" sz="3600" dirty="0">
+              <a:solidFill>
+                <a:schemeClr val="bg1">
+                  <a:lumMod val="65000"/>
+                </a:schemeClr>
+              </a:solidFill>
+              <a:latin typeface="Javanese Text" panose="02000000000000000000" pitchFamily="2" charset="0"/>
+            </a:endParaRPr>
+          </a:p>
+        </p:txBody>
+      </p:sp>
+      <p:sp>
+        <p:nvSpPr>
+          <p:cNvPr id="60" name="文本框 59">
+            <a:extLst>
+              <a:ext uri="{FF2B5EF4-FFF2-40B4-BE49-F238E27FC236}">
+                <a16:creationId xmlns:a16="http://schemas.microsoft.com/office/drawing/2014/main" id="{6633D489-86BF-7A99-CDEB-8248E2D50BDF}"/>
+              </a:ext>
+            </a:extLst>
+          </p:cNvPr>
+          <p:cNvSpPr txBox="1"/>
+          <p:nvPr/>
+        </p:nvSpPr>
+        <p:spPr>
+          <a:xfrm>
+            <a:off x="2523840" y="649528"/>
+            <a:ext cx="811441" cy="1015663"/>
+          </a:xfrm>
+          <a:prstGeom prst="rect">
+            <a:avLst/>
+          </a:prstGeom>
+          <a:noFill/>
+        </p:spPr>
+        <p:txBody>
+          <a:bodyPr wrap="none" rtlCol="0">
+            <a:spAutoFit/>
+          </a:bodyPr>
+          <a:lstStyle/>
+          <a:p>
+            <a:r>
+              <a:rPr lang="en-US" altLang="zh-CN" sz="1200" dirty="0">
+                <a:latin typeface="Hero" panose="00000500000000000000" pitchFamily="2" charset="0"/>
+              </a:rPr>
+              <a:t>.....</a:t>
+            </a:r>
+          </a:p>
+          <a:p>
+            <a:r>
+              <a:rPr lang="en-US" altLang="zh-CN" sz="1200" dirty="0">
+                <a:latin typeface="Hero" panose="00000500000000000000" pitchFamily="2" charset="0"/>
+              </a:rPr>
+              <a:t>……</a:t>
+            </a:r>
+          </a:p>
+          <a:p>
+            <a:r>
+              <a:rPr lang="en-US" altLang="zh-CN" sz="1200" dirty="0">
+                <a:latin typeface="Hero" panose="00000500000000000000" pitchFamily="2" charset="0"/>
+              </a:rPr>
+              <a:t>REMOTE</a:t>
+            </a:r>
+          </a:p>
+          <a:p>
+            <a:r>
+              <a:rPr lang="en-US" altLang="zh-CN" sz="1200" dirty="0">
+                <a:latin typeface="Hero" panose="00000500000000000000" pitchFamily="2" charset="0"/>
+              </a:rPr>
+              <a:t>.....</a:t>
+            </a:r>
+          </a:p>
+          <a:p>
+            <a:r>
+              <a:rPr lang="en-US" altLang="zh-CN" sz="1200" dirty="0">
+                <a:latin typeface="Hero" panose="00000500000000000000" pitchFamily="2" charset="0"/>
+              </a:rPr>
+              <a:t>.....</a:t>
+            </a:r>
+            <a:endParaRPr lang="zh-CN" altLang="en-US" sz="1200" dirty="0">
+              <a:latin typeface="Hero" panose="00000500000000000000" pitchFamily="2" charset="0"/>
+            </a:endParaRPr>
+          </a:p>
+        </p:txBody>
+      </p:sp>
+      <p:cxnSp>
+        <p:nvCxnSpPr>
+          <p:cNvPr id="93" name="连接符: 肘形 92">
+            <a:extLst>
+              <a:ext uri="{FF2B5EF4-FFF2-40B4-BE49-F238E27FC236}">
+                <a16:creationId xmlns:a16="http://schemas.microsoft.com/office/drawing/2014/main" id="{F7FAC6AC-BDC1-D4A1-45DB-BC323238EDB9}"/>
+              </a:ext>
+            </a:extLst>
+          </p:cNvPr>
+          <p:cNvCxnSpPr>
+            <a:cxnSpLocks/>
+          </p:cNvCxnSpPr>
+          <p:nvPr/>
+        </p:nvCxnSpPr>
+        <p:spPr>
+          <a:xfrm>
+            <a:off x="3275753" y="1135931"/>
+            <a:ext cx="721998" cy="2190533"/>
+          </a:xfrm>
+          <a:prstGeom prst="bentConnector3">
+            <a:avLst>
+              <a:gd name="adj1" fmla="val 70891"/>
+            </a:avLst>
+          </a:prstGeom>
+          <a:ln w="12700">
+            <a:solidFill>
+              <a:srgbClr val="00B0F0"/>
+            </a:solidFill>
+            <a:tailEnd type="none"/>
+          </a:ln>
+        </p:spPr>
+        <p:style>
+          <a:lnRef idx="1">
+            <a:schemeClr val="accent5"/>
+          </a:lnRef>
+          <a:fillRef idx="0">
+            <a:schemeClr val="accent5"/>
+          </a:fillRef>
+          <a:effectRef idx="0">
+            <a:schemeClr val="accent5"/>
+          </a:effectRef>
+          <a:fontRef idx="minor">
+            <a:schemeClr val="tx1"/>
+          </a:fontRef>
+        </p:style>
+      </p:cxnSp>
+      <p:cxnSp>
+        <p:nvCxnSpPr>
+          <p:cNvPr id="95" name="连接符: 肘形 94">
+            <a:extLst>
+              <a:ext uri="{FF2B5EF4-FFF2-40B4-BE49-F238E27FC236}">
+                <a16:creationId xmlns:a16="http://schemas.microsoft.com/office/drawing/2014/main" id="{EE84D152-39DA-2578-87BF-A5A1EF78C708}"/>
+              </a:ext>
+            </a:extLst>
+          </p:cNvPr>
+          <p:cNvCxnSpPr/>
+          <p:nvPr/>
+        </p:nvCxnSpPr>
+        <p:spPr>
+          <a:xfrm>
+            <a:off x="3333883" y="1080946"/>
+            <a:ext cx="721998" cy="2190533"/>
+          </a:xfrm>
+          <a:prstGeom prst="bentConnector3">
+            <a:avLst>
+              <a:gd name="adj1" fmla="val 70891"/>
+            </a:avLst>
+          </a:prstGeom>
+          <a:ln w="12700">
+            <a:solidFill>
+              <a:srgbClr val="00B0F0"/>
+            </a:solidFill>
+            <a:tailEnd type="none"/>
+          </a:ln>
+        </p:spPr>
+        <p:style>
+          <a:lnRef idx="1">
+            <a:schemeClr val="accent5"/>
+          </a:lnRef>
+          <a:fillRef idx="0">
+            <a:schemeClr val="accent5"/>
+          </a:fillRef>
+          <a:effectRef idx="0">
+            <a:schemeClr val="accent5"/>
+          </a:effectRef>
+          <a:fontRef idx="minor">
+            <a:schemeClr val="tx1"/>
+          </a:fontRef>
+        </p:style>
+      </p:cxnSp>
+    </p:spTree>
+    <p:extLst>
+      <p:ext uri="{BB962C8B-B14F-4D97-AF65-F5344CB8AC3E}">
+        <p14:creationId xmlns:p14="http://schemas.microsoft.com/office/powerpoint/2010/main" val="84096986"/>
+      </p:ext>
+    </p:extLst>
+  </p:cSld>
+  <p:clrMapOvr>
+    <a:masterClrMapping/>
+  </p:clrMapOvr>
+</p:sld>
+</file>
+
 <file path=ppt/theme/theme1.xml><?xml version="1.0" encoding="utf-8"?>
 <a:theme xmlns:a="http://schemas.openxmlformats.org/drawingml/2006/main" name="Office 主题​​">
   <a:themeElements>
